--- a/meeting-materials/draft-liu-teas-transport-network-slice-yang-07-ietf-118.pptx
+++ b/meeting-materials/draft-liu-teas-transport-network-slice-yang-07-ietf-118.pptx
@@ -5,17 +5,18 @@
     <p:sldMasterId id="2147483648" r:id="rId6"/>
   </p:sldMasterIdLst>
   <p:notesMasterIdLst>
-    <p:notesMasterId r:id="rId15"/>
+    <p:notesMasterId r:id="rId16"/>
   </p:notesMasterIdLst>
   <p:sldIdLst>
     <p:sldId id="256" r:id="rId7"/>
     <p:sldId id="257" r:id="rId8"/>
-    <p:sldId id="327" r:id="rId9"/>
-    <p:sldId id="328" r:id="rId10"/>
-    <p:sldId id="288" r:id="rId11"/>
-    <p:sldId id="289" r:id="rId12"/>
-    <p:sldId id="300" r:id="rId13"/>
-    <p:sldId id="273" r:id="rId14"/>
+    <p:sldId id="329" r:id="rId9"/>
+    <p:sldId id="327" r:id="rId10"/>
+    <p:sldId id="328" r:id="rId11"/>
+    <p:sldId id="288" r:id="rId12"/>
+    <p:sldId id="289" r:id="rId13"/>
+    <p:sldId id="300" r:id="rId14"/>
+    <p:sldId id="273" r:id="rId15"/>
   </p:sldIdLst>
   <p:sldSz cx="12192000" cy="6858000"/>
   <p:notesSz cx="6858000" cy="9144000"/>
@@ -227,7 +228,7 @@
           <a:p>
             <a:fld id="{59711742-25F0-43F6-882D-B8403339F2D1}" type="datetimeFigureOut">
               <a:rPr lang="en-US" smtClean="0"/>
-              <a:t>10/25/2023</a:t>
+              <a:t>10/26/23</a:t>
             </a:fld>
             <a:endParaRPr lang="en-US"/>
           </a:p>
@@ -559,7 +560,7 @@
           <a:p>
             <a:fld id="{4066C2EC-F3B6-4CF7-8A67-99EC2A32E023}" type="slidenum">
               <a:rPr lang="en-US" smtClean="0"/>
-              <a:t>3</a:t>
+              <a:t>4</a:t>
             </a:fld>
             <a:endParaRPr lang="en-US"/>
           </a:p>
@@ -643,7 +644,7 @@
           <a:p>
             <a:fld id="{4066C2EC-F3B6-4CF7-8A67-99EC2A32E023}" type="slidenum">
               <a:rPr lang="en-US" smtClean="0"/>
-              <a:t>4</a:t>
+              <a:t>5</a:t>
             </a:fld>
             <a:endParaRPr lang="en-US"/>
           </a:p>
@@ -764,7 +765,7 @@
           <a:p>
             <a:fld id="{09351EF1-D334-6B4E-9540-90BEBCE08632}" type="slidenum">
               <a:rPr lang="en-US" smtClean="0"/>
-              <a:t>6</a:t>
+              <a:t>7</a:t>
             </a:fld>
             <a:endParaRPr lang="en-US"/>
           </a:p>
@@ -848,7 +849,7 @@
           <a:p>
             <a:fld id="{4066C2EC-F3B6-4CF7-8A67-99EC2A32E023}" type="slidenum">
               <a:rPr lang="en-US" smtClean="0"/>
-              <a:t>7</a:t>
+              <a:t>8</a:t>
             </a:fld>
             <a:endParaRPr lang="en-US"/>
           </a:p>
@@ -1014,7 +1015,7 @@
           <a:p>
             <a:fld id="{11EADF87-7BA1-4934-894F-828C76552A18}" type="datetime1">
               <a:rPr lang="en-US" smtClean="0"/>
-              <a:t>10/25/2023</a:t>
+              <a:t>10/26/23</a:t>
             </a:fld>
             <a:endParaRPr lang="en-US"/>
           </a:p>
@@ -1215,7 +1216,7 @@
           <a:p>
             <a:fld id="{85D92055-2432-4DF3-97D9-9AAC5D502BA1}" type="datetime1">
               <a:rPr lang="en-US" smtClean="0"/>
-              <a:t>10/25/2023</a:t>
+              <a:t>10/26/23</a:t>
             </a:fld>
             <a:endParaRPr lang="en-US"/>
           </a:p>
@@ -1426,7 +1427,7 @@
           <a:p>
             <a:fld id="{9982AC4B-3F7F-442E-97CB-3FE75166B923}" type="datetime1">
               <a:rPr lang="en-US" smtClean="0"/>
-              <a:t>10/25/2023</a:t>
+              <a:t>10/26/23</a:t>
             </a:fld>
             <a:endParaRPr lang="en-US"/>
           </a:p>
@@ -1838,7 +1839,7 @@
           <a:p>
             <a:fld id="{86764C34-DC39-41C4-8B6A-5EA7B47F74F1}" type="datetime1">
               <a:rPr lang="en-US" smtClean="0"/>
-              <a:t>10/25/2023</a:t>
+              <a:t>10/26/23</a:t>
             </a:fld>
             <a:endParaRPr lang="en-US"/>
           </a:p>
@@ -2116,7 +2117,7 @@
           <a:p>
             <a:fld id="{9AD06E72-0C8D-44B3-AA53-2FB152485C62}" type="datetime1">
               <a:rPr lang="en-US" smtClean="0"/>
-              <a:t>10/25/2023</a:t>
+              <a:t>10/26/23</a:t>
             </a:fld>
             <a:endParaRPr lang="en-US"/>
           </a:p>
@@ -2384,7 +2385,7 @@
           <a:p>
             <a:fld id="{66188E82-78A8-432F-A905-64D37DCF7108}" type="datetime1">
               <a:rPr lang="en-US" smtClean="0"/>
-              <a:t>10/25/2023</a:t>
+              <a:t>10/26/23</a:t>
             </a:fld>
             <a:endParaRPr lang="en-US"/>
           </a:p>
@@ -2799,7 +2800,7 @@
           <a:p>
             <a:fld id="{4F6C27C5-5812-4AB4-AA99-BFA1A6532403}" type="datetime1">
               <a:rPr lang="en-US" smtClean="0"/>
-              <a:t>10/25/2023</a:t>
+              <a:t>10/26/23</a:t>
             </a:fld>
             <a:endParaRPr lang="en-US"/>
           </a:p>
@@ -2943,7 +2944,7 @@
           <a:p>
             <a:fld id="{01E17CC1-43C0-45B8-AB30-B4F1979189AC}" type="datetime1">
               <a:rPr lang="en-US" smtClean="0"/>
-              <a:t>10/25/2023</a:t>
+              <a:t>10/26/23</a:t>
             </a:fld>
             <a:endParaRPr lang="en-US"/>
           </a:p>
@@ -3059,7 +3060,7 @@
           <a:p>
             <a:fld id="{86720E5C-818F-46A2-A674-ACF0EF433E2C}" type="datetime1">
               <a:rPr lang="en-US" smtClean="0"/>
-              <a:t>10/25/2023</a:t>
+              <a:t>10/26/23</a:t>
             </a:fld>
             <a:endParaRPr lang="en-US"/>
           </a:p>
@@ -3373,7 +3374,7 @@
           <a:p>
             <a:fld id="{3BF26B5B-FDE8-4DDB-82A7-BEF41002D93B}" type="datetime1">
               <a:rPr lang="en-US" smtClean="0"/>
-              <a:t>10/25/2023</a:t>
+              <a:t>10/26/23</a:t>
             </a:fld>
             <a:endParaRPr lang="en-US"/>
           </a:p>
@@ -3664,7 +3665,7 @@
           <a:p>
             <a:fld id="{5CC07EE6-18E8-48EE-9715-5838292A3776}" type="datetime1">
               <a:rPr lang="en-US" smtClean="0"/>
-              <a:t>10/25/2023</a:t>
+              <a:t>10/26/23</a:t>
             </a:fld>
             <a:endParaRPr lang="en-US"/>
           </a:p>
@@ -3908,7 +3909,7 @@
           <a:p>
             <a:fld id="{9025BCED-13F6-41CB-8B3C-875C16F6C384}" type="datetime1">
               <a:rPr lang="en-US" smtClean="0"/>
-              <a:t>10/25/2023</a:t>
+              <a:t>10/26/23</a:t>
             </a:fld>
             <a:endParaRPr lang="en-US"/>
           </a:p>
@@ -5015,10 +5016,10 @@
       </p:grpSpPr>
       <p:sp>
         <p:nvSpPr>
-          <p:cNvPr id="2" name="Title 1">
+          <p:cNvPr id="2" name="Título 1">
             <a:extLst>
               <a:ext uri="{FF2B5EF4-FFF2-40B4-BE49-F238E27FC236}">
-                <a16:creationId xmlns:a16="http://schemas.microsoft.com/office/drawing/2014/main" id="{EB3E31FD-1C2F-48A6-AB51-148D4276F8C0}"/>
+                <a16:creationId xmlns:a16="http://schemas.microsoft.com/office/drawing/2014/main" id="{8B18C6C8-DE0B-0EE0-B77E-9AEB4E9F3614}"/>
               </a:ext>
             </a:extLst>
           </p:cNvPr>
@@ -5029,29 +5030,24 @@
             <p:ph type="title"/>
           </p:nvPr>
         </p:nvSpPr>
-        <p:spPr>
-          <a:xfrm>
-            <a:off x="838200" y="365126"/>
-            <a:ext cx="10515600" cy="1142662"/>
-          </a:xfrm>
-        </p:spPr>
+        <p:spPr/>
         <p:txBody>
           <a:bodyPr/>
           <a:lstStyle/>
           <a:p>
             <a:r>
               <a:rPr lang="en-US" dirty="0"/>
-              <a:t>Feedbacks on NS Topology</a:t>
+              <a:t>Similar Requirements in ACTN VN Type 2</a:t>
             </a:r>
           </a:p>
         </p:txBody>
       </p:sp>
       <p:sp>
         <p:nvSpPr>
-          <p:cNvPr id="3" name="Content Placeholder 2">
+          <p:cNvPr id="3" name="Marcador de contenido 2">
             <a:extLst>
               <a:ext uri="{FF2B5EF4-FFF2-40B4-BE49-F238E27FC236}">
-                <a16:creationId xmlns:a16="http://schemas.microsoft.com/office/drawing/2014/main" id="{BD50841F-A6DC-4789-9872-9F341CF41FC7}"/>
+                <a16:creationId xmlns:a16="http://schemas.microsoft.com/office/drawing/2014/main" id="{85249255-FB03-2E5A-919A-E8FB7CC93EBC}"/>
               </a:ext>
             </a:extLst>
           </p:cNvPr>
@@ -5062,77 +5058,26 @@
             <p:ph idx="1"/>
           </p:nvPr>
         </p:nvSpPr>
-        <p:spPr>
-          <a:xfrm>
-            <a:off x="1060314" y="1410511"/>
-            <a:ext cx="10293485" cy="5265497"/>
-          </a:xfrm>
-        </p:spPr>
+        <p:spPr/>
         <p:txBody>
-          <a:bodyPr>
-            <a:normAutofit/>
-          </a:bodyPr>
+          <a:bodyPr/>
           <a:lstStyle/>
           <a:p>
-            <a:pPr marL="342900" indent="-342900"/>
-            <a:r>
-              <a:rPr lang="en-US" sz="2400" dirty="0"/>
-              <a:t>Proposed use case is not convincing to explore using topologies for network slicing</a:t>
-            </a:r>
-          </a:p>
-          <a:p>
-            <a:pPr marL="800100" lvl="1" indent="-342900"/>
-            <a:r>
-              <a:rPr lang="en-US" sz="2000" dirty="0"/>
-              <a:t>Presenting additional use case from a provider’s perspective</a:t>
-            </a:r>
-          </a:p>
-          <a:p>
-            <a:pPr marL="342900" indent="-342900"/>
-            <a:endParaRPr lang="en-US" sz="2400" dirty="0"/>
-          </a:p>
-          <a:p>
-            <a:pPr marL="342900" indent="-342900"/>
-            <a:r>
-              <a:rPr lang="en-US" sz="2400" dirty="0"/>
-              <a:t>There are still concerns in the concept of a customized topology</a:t>
-            </a:r>
-          </a:p>
-          <a:p>
-            <a:pPr marL="800100" lvl="1" indent="-342900"/>
-            <a:r>
-              <a:rPr lang="en-US" sz="2000" dirty="0"/>
-              <a:t>Whether building a customized topology require prior topology information from the provider</a:t>
-            </a:r>
-          </a:p>
-          <a:p>
-            <a:pPr marL="800100" lvl="1" indent="-342900"/>
-            <a:r>
-              <a:rPr lang="en-US" sz="2000" dirty="0"/>
-              <a:t>How the NSC may map a customized topology to an internal realization, e.g. an NRP</a:t>
-            </a:r>
-          </a:p>
-          <a:p>
-            <a:pPr marL="800100" lvl="1" indent="-342900"/>
-            <a:r>
-              <a:rPr lang="en-US" sz="2000" dirty="0"/>
-              <a:t>Whether the constraints expressed by a customized topology can be instead expressed by the connectivity constructs</a:t>
-            </a:r>
-          </a:p>
-          <a:p>
-            <a:pPr marL="800100" lvl="1" indent="-342900"/>
-            <a:r>
-              <a:rPr lang="en-US" sz="2000" dirty="0"/>
-              <a:t>Whether existing models are sufficient to express a customized topology</a:t>
-            </a:r>
-            <a:endParaRPr lang="en-US" sz="1600" dirty="0"/>
+            <a:r>
+              <a:rPr lang="en-US" dirty="0">
+                <a:solidFill>
+                  <a:srgbClr val="0070C0"/>
+                </a:solidFill>
+              </a:rPr>
+              <a:t>TODO – add ACTN VN Type 2 description (Italo)</a:t>
+            </a:r>
           </a:p>
         </p:txBody>
       </p:sp>
     </p:spTree>
     <p:extLst>
       <p:ext uri="{BB962C8B-B14F-4D97-AF65-F5344CB8AC3E}">
-        <p14:creationId xmlns:p14="http://schemas.microsoft.com/office/powerpoint/2010/main" val="4053094995"/>
+        <p14:creationId xmlns:p14="http://schemas.microsoft.com/office/powerpoint/2010/main" val="2142611251"/>
       </p:ext>
     </p:extLst>
   </p:cSld>
@@ -5187,6 +5132,152 @@
           <a:p>
             <a:r>
               <a:rPr lang="en-US" dirty="0"/>
+              <a:t>Feedbacks on NS Topology</a:t>
+            </a:r>
+          </a:p>
+        </p:txBody>
+      </p:sp>
+      <p:sp>
+        <p:nvSpPr>
+          <p:cNvPr id="3" name="Content Placeholder 2">
+            <a:extLst>
+              <a:ext uri="{FF2B5EF4-FFF2-40B4-BE49-F238E27FC236}">
+                <a16:creationId xmlns:a16="http://schemas.microsoft.com/office/drawing/2014/main" id="{BD50841F-A6DC-4789-9872-9F341CF41FC7}"/>
+              </a:ext>
+            </a:extLst>
+          </p:cNvPr>
+          <p:cNvSpPr>
+            <a:spLocks noGrp="1"/>
+          </p:cNvSpPr>
+          <p:nvPr>
+            <p:ph idx="1"/>
+          </p:nvPr>
+        </p:nvSpPr>
+        <p:spPr>
+          <a:xfrm>
+            <a:off x="1060314" y="1410511"/>
+            <a:ext cx="10293485" cy="5265497"/>
+          </a:xfrm>
+        </p:spPr>
+        <p:txBody>
+          <a:bodyPr>
+            <a:normAutofit/>
+          </a:bodyPr>
+          <a:lstStyle/>
+          <a:p>
+            <a:pPr marL="342900" indent="-342900"/>
+            <a:r>
+              <a:rPr lang="en-US" sz="2400" dirty="0"/>
+              <a:t>Proposed use case is not convincing to explore using topologies for network slicing</a:t>
+            </a:r>
+          </a:p>
+          <a:p>
+            <a:pPr marL="800100" lvl="1" indent="-342900"/>
+            <a:r>
+              <a:rPr lang="en-US" sz="2000" dirty="0"/>
+              <a:t>Presenting additional use case from a provider’s perspective</a:t>
+            </a:r>
+          </a:p>
+          <a:p>
+            <a:pPr marL="342900" indent="-342900"/>
+            <a:endParaRPr lang="en-US" sz="2400" dirty="0"/>
+          </a:p>
+          <a:p>
+            <a:pPr marL="342900" indent="-342900"/>
+            <a:r>
+              <a:rPr lang="en-US" sz="2400" dirty="0"/>
+              <a:t>There are still concerns in the concept of a customized topology</a:t>
+            </a:r>
+          </a:p>
+          <a:p>
+            <a:pPr marL="800100" lvl="1" indent="-342900"/>
+            <a:r>
+              <a:rPr lang="en-US" sz="2000" dirty="0"/>
+              <a:t>Whether building a customized topology require prior topology information from the provider</a:t>
+            </a:r>
+          </a:p>
+          <a:p>
+            <a:pPr marL="800100" lvl="1" indent="-342900"/>
+            <a:r>
+              <a:rPr lang="en-US" sz="2000" dirty="0"/>
+              <a:t>How the NSC may map a customized topology to an internal realization, e.g. an NRP</a:t>
+            </a:r>
+          </a:p>
+          <a:p>
+            <a:pPr marL="800100" lvl="1" indent="-342900"/>
+            <a:r>
+              <a:rPr lang="en-US" sz="2000" dirty="0"/>
+              <a:t>Whether the constraints expressed by a customized topology can be instead expressed by the connectivity constructs</a:t>
+            </a:r>
+          </a:p>
+          <a:p>
+            <a:pPr marL="800100" lvl="1" indent="-342900"/>
+            <a:r>
+              <a:rPr lang="en-US" sz="2000" dirty="0"/>
+              <a:t>Whether existing models are sufficient to express a customized topology</a:t>
+            </a:r>
+            <a:endParaRPr lang="en-US" sz="1600" dirty="0"/>
+          </a:p>
+        </p:txBody>
+      </p:sp>
+    </p:spTree>
+    <p:extLst>
+      <p:ext uri="{BB962C8B-B14F-4D97-AF65-F5344CB8AC3E}">
+        <p14:creationId xmlns:p14="http://schemas.microsoft.com/office/powerpoint/2010/main" val="4053094995"/>
+      </p:ext>
+    </p:extLst>
+  </p:cSld>
+  <p:clrMapOvr>
+    <a:masterClrMapping/>
+  </p:clrMapOvr>
+</p:sld>
+</file>
+
+<file path=ppt/slides/slide5.xml><?xml version="1.0" encoding="utf-8"?>
+<p:sld xmlns:a="http://schemas.openxmlformats.org/drawingml/2006/main" xmlns:r="http://schemas.openxmlformats.org/officeDocument/2006/relationships" xmlns:p="http://schemas.openxmlformats.org/presentationml/2006/main">
+  <p:cSld>
+    <p:spTree>
+      <p:nvGrpSpPr>
+        <p:cNvPr id="1" name=""/>
+        <p:cNvGrpSpPr/>
+        <p:nvPr/>
+      </p:nvGrpSpPr>
+      <p:grpSpPr>
+        <a:xfrm>
+          <a:off x="0" y="0"/>
+          <a:ext cx="0" cy="0"/>
+          <a:chOff x="0" y="0"/>
+          <a:chExt cx="0" cy="0"/>
+        </a:xfrm>
+      </p:grpSpPr>
+      <p:sp>
+        <p:nvSpPr>
+          <p:cNvPr id="2" name="Title 1">
+            <a:extLst>
+              <a:ext uri="{FF2B5EF4-FFF2-40B4-BE49-F238E27FC236}">
+                <a16:creationId xmlns:a16="http://schemas.microsoft.com/office/drawing/2014/main" id="{EB3E31FD-1C2F-48A6-AB51-148D4276F8C0}"/>
+              </a:ext>
+            </a:extLst>
+          </p:cNvPr>
+          <p:cNvSpPr>
+            <a:spLocks noGrp="1"/>
+          </p:cNvSpPr>
+          <p:nvPr>
+            <p:ph type="title"/>
+          </p:nvPr>
+        </p:nvSpPr>
+        <p:spPr>
+          <a:xfrm>
+            <a:off x="838200" y="365126"/>
+            <a:ext cx="10515600" cy="1142662"/>
+          </a:xfrm>
+        </p:spPr>
+        <p:txBody>
+          <a:bodyPr/>
+          <a:lstStyle/>
+          <a:p>
+            <a:r>
+              <a:rPr lang="en-US" dirty="0"/>
               <a:t>Addressing WG Concerns</a:t>
             </a:r>
           </a:p>
@@ -5256,7 +5347,7 @@
                   <a:srgbClr val="0070C0"/>
                 </a:solidFill>
               </a:rPr>
-              <a:t>Edge node – CE node attached to a SAP</a:t>
+              <a:t>Edge node – PE node attached to a SAP</a:t>
             </a:r>
           </a:p>
           <a:p>
@@ -5362,7 +5453,7 @@
 </p:sld>
 </file>
 
-<file path=ppt/slides/slide5.xml><?xml version="1.0" encoding="utf-8"?>
+<file path=ppt/slides/slide6.xml><?xml version="1.0" encoding="utf-8"?>
 <p:sld xmlns:a="http://schemas.openxmlformats.org/drawingml/2006/main" xmlns:r="http://schemas.openxmlformats.org/officeDocument/2006/relationships" xmlns:p="http://schemas.openxmlformats.org/presentationml/2006/main">
   <p:cSld>
     <p:spTree>
@@ -5446,7 +5537,7 @@
                 <a:tabLst/>
                 <a:defRPr/>
               </a:pPr>
-              <a:t>5</a:t>
+              <a:t>6</a:t>
             </a:fld>
             <a:endParaRPr kumimoji="0" lang="es-ES" sz="1000" b="0" i="0" u="none" strike="noStrike" kern="1200" cap="none" spc="0" normalizeH="0" baseline="0" noProof="0" dirty="0">
               <a:ln>
@@ -8062,7 +8153,7 @@
                 <a:ea typeface="黑体" panose="02010609060101010101" pitchFamily="49" charset="-122"/>
                 <a:cs typeface="+mn-cs"/>
               </a:rPr>
-              <a:t>Each CM is one entry (i.e.,  connection)</a:t>
+              <a:t>Each CC is one entry (i.e.,  connection)</a:t>
             </a:r>
           </a:p>
           <a:p>
@@ -8098,7 +8189,7 @@
                 <a:ea typeface="黑体" panose="02010609060101010101" pitchFamily="49" charset="-122"/>
                 <a:cs typeface="+mn-cs"/>
               </a:rPr>
-              <a:t>CM Blue: </a:t>
+              <a:t>CC Blue: </a:t>
             </a:r>
             <a:r>
               <a:rPr kumimoji="0" lang="en-US" altLang="zh-CN" sz="1700" b="0" i="0" u="none" strike="noStrike" kern="1200" cap="none" spc="0" normalizeH="0" baseline="0" noProof="0" dirty="0" err="1">
@@ -8202,7 +8293,7 @@
                 <a:ea typeface="黑体" panose="02010609060101010101" pitchFamily="49" charset="-122"/>
                 <a:cs typeface="+mn-cs"/>
               </a:rPr>
-              <a:t>CM Orange: </a:t>
+              <a:t>CC Orange: </a:t>
             </a:r>
             <a:r>
               <a:rPr kumimoji="0" lang="en-US" altLang="zh-CN" sz="1700" b="0" i="0" u="none" strike="noStrike" kern="1200" cap="none" spc="0" normalizeH="0" baseline="0" noProof="0" dirty="0" err="1">
@@ -8306,7 +8397,7 @@
                 <a:ea typeface="黑体" panose="02010609060101010101" pitchFamily="49" charset="-122"/>
                 <a:cs typeface="+mn-cs"/>
               </a:rPr>
-              <a:t>CM Red: </a:t>
+              <a:t>CC Red: </a:t>
             </a:r>
             <a:r>
               <a:rPr kumimoji="0" lang="en-US" altLang="zh-CN" sz="1700" b="0" i="0" u="none" strike="noStrike" kern="1200" cap="none" spc="0" normalizeH="0" baseline="0" noProof="0" dirty="0" err="1">
@@ -8410,7 +8501,7 @@
                 <a:ea typeface="黑体" panose="02010609060101010101" pitchFamily="49" charset="-122"/>
                 <a:cs typeface="+mn-cs"/>
               </a:rPr>
-              <a:t>CM Green: </a:t>
+              <a:t>CC Green: </a:t>
             </a:r>
             <a:r>
               <a:rPr kumimoji="0" lang="en-US" altLang="zh-CN" sz="1700" b="0" i="0" u="none" strike="noStrike" kern="1200" cap="none" spc="0" normalizeH="0" baseline="0" noProof="0" dirty="0" err="1">
@@ -8514,7 +8605,7 @@
                 <a:ea typeface="黑体" panose="02010609060101010101" pitchFamily="49" charset="-122"/>
                 <a:cs typeface="+mn-cs"/>
               </a:rPr>
-              <a:t>Connectivity matrix Key = {new </a:t>
+              <a:t>Connectivity construct Key = {new </a:t>
             </a:r>
             <a:r>
               <a:rPr kumimoji="0" lang="en-CA" sz="1700" b="0" i="0" u="none" strike="noStrike" kern="1200" cap="none" spc="0" normalizeH="0" baseline="0" noProof="0" dirty="0">
@@ -8531,7 +8622,7 @@
                 <a:ea typeface="+mn-ea"/>
                 <a:cs typeface="+mn-cs"/>
               </a:rPr>
-              <a:t>connectivity-matrix-id} (i.e. </a:t>
+              <a:t>connectivity-construct-id} (i.e. </a:t>
             </a:r>
             <a:r>
               <a:rPr kumimoji="0" lang="en-US" altLang="zh-CN" sz="1700" b="0" i="0" u="none" strike="noStrike" kern="1200" cap="none" spc="0" normalizeH="0" baseline="0" noProof="0" dirty="0">
@@ -9001,7 +9092,7 @@
 </p:sld>
 </file>
 
-<file path=ppt/slides/slide6.xml><?xml version="1.0" encoding="utf-8"?>
+<file path=ppt/slides/slide7.xml><?xml version="1.0" encoding="utf-8"?>
 <p:sld xmlns:a="http://schemas.openxmlformats.org/drawingml/2006/main" xmlns:r="http://schemas.openxmlformats.org/officeDocument/2006/relationships" xmlns:p="http://schemas.openxmlformats.org/presentationml/2006/main">
   <p:cSld>
     <p:spTree>
@@ -9034,19 +9125,55 @@
             <p:ph type="title"/>
           </p:nvPr>
         </p:nvSpPr>
+        <p:spPr/>
+        <p:txBody>
+          <a:bodyPr/>
+          <a:lstStyle/>
+          <a:p>
+            <a:r>
+              <a:rPr lang="en-US" dirty="0"/>
+              <a:t>Example</a:t>
+            </a:r>
+          </a:p>
+        </p:txBody>
+      </p:sp>
+      <p:sp>
+        <p:nvSpPr>
+          <p:cNvPr id="3" name="Content Placeholder 2">
+            <a:extLst>
+              <a:ext uri="{FF2B5EF4-FFF2-40B4-BE49-F238E27FC236}">
+                <a16:creationId xmlns:a16="http://schemas.microsoft.com/office/drawing/2014/main" id="{4ED1FFD4-2479-AE4B-1838-751AAA2B9144}"/>
+              </a:ext>
+            </a:extLst>
+          </p:cNvPr>
+          <p:cNvSpPr>
+            <a:spLocks noGrp="1"/>
+          </p:cNvSpPr>
+          <p:nvPr>
+            <p:ph idx="1"/>
+          </p:nvPr>
+        </p:nvSpPr>
         <p:spPr>
           <a:xfrm>
-            <a:off x="820739" y="300988"/>
-            <a:ext cx="10515600" cy="1325563"/>
+            <a:off x="180109" y="5995310"/>
+            <a:ext cx="5915891" cy="751284"/>
           </a:xfrm>
         </p:spPr>
         <p:txBody>
-          <a:bodyPr/>
+          <a:bodyPr>
+            <a:normAutofit fontScale="92500"/>
+          </a:bodyPr>
           <a:lstStyle/>
           <a:p>
             <a:r>
-              <a:rPr lang="en-US" dirty="0"/>
-              <a:t>Example</a:t>
+              <a:rPr lang="en-US" sz="1600" dirty="0"/>
+              <a:t>Resources may be allocated in the same NRP w/o customer topology</a:t>
+            </a:r>
+          </a:p>
+          <a:p>
+            <a:r>
+              <a:rPr lang="en-US" sz="1600" dirty="0"/>
+              <a:t>Adding DU nodes could affect the CU-UPF connections</a:t>
             </a:r>
           </a:p>
         </p:txBody>
@@ -9065,7 +9192,7 @@
         </p:nvSpPr>
         <p:spPr>
           <a:xfrm>
-            <a:off x="4321658" y="665729"/>
+            <a:off x="4723442" y="416344"/>
             <a:ext cx="3513762" cy="1964007"/>
           </a:xfrm>
           <a:prstGeom prst="rect">
@@ -9138,7 +9265,7 @@
         </p:nvGrpSpPr>
         <p:grpSpPr>
           <a:xfrm>
-            <a:off x="3426094" y="855275"/>
+            <a:off x="3827878" y="605890"/>
             <a:ext cx="707204" cy="307777"/>
             <a:chOff x="1590782" y="3428368"/>
             <a:chExt cx="707204" cy="307777"/>
@@ -9313,7 +9440,7 @@
         </p:nvGrpSpPr>
         <p:grpSpPr>
           <a:xfrm>
-            <a:off x="3424380" y="1346946"/>
+            <a:off x="3826164" y="1097561"/>
             <a:ext cx="707204" cy="307777"/>
             <a:chOff x="1590782" y="3428368"/>
             <a:chExt cx="707204" cy="307777"/>
@@ -9488,7 +9615,7 @@
         </p:nvGrpSpPr>
         <p:grpSpPr>
           <a:xfrm>
-            <a:off x="3405543" y="1926794"/>
+            <a:off x="3807327" y="1677409"/>
             <a:ext cx="707204" cy="307777"/>
             <a:chOff x="1590782" y="3428368"/>
             <a:chExt cx="707204" cy="307777"/>
@@ -9661,7 +9788,7 @@
         </p:nvGrpSpPr>
         <p:grpSpPr>
           <a:xfrm>
-            <a:off x="8095698" y="1926794"/>
+            <a:off x="8497482" y="1677409"/>
             <a:ext cx="1106184" cy="307777"/>
             <a:chOff x="2143874" y="3447359"/>
             <a:chExt cx="1106184" cy="307777"/>
@@ -9834,7 +9961,7 @@
         </p:nvGrpSpPr>
         <p:grpSpPr>
           <a:xfrm>
-            <a:off x="8100836" y="876000"/>
+            <a:off x="8502620" y="626615"/>
             <a:ext cx="1030839" cy="307777"/>
             <a:chOff x="2143874" y="3436507"/>
             <a:chExt cx="1030839" cy="307777"/>
@@ -10013,7 +10140,7 @@
         </p:nvCxnSpPr>
         <p:spPr>
           <a:xfrm>
-            <a:off x="4133298" y="1028156"/>
+            <a:off x="4535082" y="778771"/>
             <a:ext cx="3967538" cy="12586"/>
           </a:xfrm>
           <a:prstGeom prst="line">
@@ -10050,7 +10177,7 @@
         </p:nvCxnSpPr>
         <p:spPr>
           <a:xfrm flipV="1">
-            <a:off x="4131584" y="1040742"/>
+            <a:off x="4533368" y="791357"/>
             <a:ext cx="3969252" cy="479085"/>
           </a:xfrm>
           <a:prstGeom prst="line">
@@ -10083,7 +10210,7 @@
         </p:nvSpPr>
         <p:spPr>
           <a:xfrm>
-            <a:off x="4797635" y="844160"/>
+            <a:off x="5199419" y="594775"/>
             <a:ext cx="2752667" cy="738664"/>
           </a:xfrm>
           <a:prstGeom prst="rect">
@@ -10226,7 +10353,7 @@
         </p:nvCxnSpPr>
         <p:spPr>
           <a:xfrm flipV="1">
-            <a:off x="4112747" y="2080684"/>
+            <a:off x="4514531" y="1831299"/>
             <a:ext cx="3982951" cy="18991"/>
           </a:xfrm>
           <a:prstGeom prst="line">
@@ -10259,7 +10386,7 @@
         </p:nvSpPr>
         <p:spPr>
           <a:xfrm>
-            <a:off x="4797635" y="1706054"/>
+            <a:off x="5199419" y="1456669"/>
             <a:ext cx="2752667" cy="738664"/>
           </a:xfrm>
           <a:prstGeom prst="rect">
@@ -10398,7 +10525,7 @@
         </p:nvCxnSpPr>
         <p:spPr>
           <a:xfrm flipH="1">
-            <a:off x="4680857" y="2950029"/>
+            <a:off x="5082641" y="2409695"/>
             <a:ext cx="903514" cy="838200"/>
           </a:xfrm>
           <a:prstGeom prst="straightConnector1">
@@ -10442,7 +10569,7 @@
         </p:nvCxnSpPr>
         <p:spPr>
           <a:xfrm>
-            <a:off x="6542314" y="2920629"/>
+            <a:off x="6944098" y="2380295"/>
             <a:ext cx="676459" cy="927077"/>
           </a:xfrm>
           <a:prstGeom prst="straightConnector1">
@@ -10484,7 +10611,7 @@
         </p:nvSpPr>
         <p:spPr>
           <a:xfrm>
-            <a:off x="1233018" y="4102805"/>
+            <a:off x="1634802" y="3562471"/>
             <a:ext cx="3088640" cy="1899920"/>
           </a:xfrm>
           <a:prstGeom prst="cloud">
@@ -10540,7 +10667,7 @@
         </p:nvSpPr>
         <p:spPr>
           <a:xfrm>
-            <a:off x="684378" y="4651445"/>
+            <a:off x="1086162" y="4111111"/>
             <a:ext cx="721360" cy="802640"/>
           </a:xfrm>
           <a:prstGeom prst="ellipse">
@@ -10596,7 +10723,7 @@
         </p:nvSpPr>
         <p:spPr>
           <a:xfrm>
-            <a:off x="2416658" y="3701485"/>
+            <a:off x="2818442" y="3161151"/>
             <a:ext cx="721360" cy="802640"/>
           </a:xfrm>
           <a:prstGeom prst="ellipse">
@@ -10652,7 +10779,7 @@
         </p:nvSpPr>
         <p:spPr>
           <a:xfrm>
-            <a:off x="3960978" y="4656525"/>
+            <a:off x="4362762" y="4116191"/>
             <a:ext cx="721360" cy="802640"/>
           </a:xfrm>
           <a:prstGeom prst="ellipse">
@@ -10708,7 +10835,7 @@
         </p:nvSpPr>
         <p:spPr>
           <a:xfrm>
-            <a:off x="1375258" y="4478725"/>
+            <a:off x="1777042" y="3938391"/>
             <a:ext cx="1320800" cy="808197"/>
           </a:xfrm>
           <a:custGeom>
@@ -10810,7 +10937,7 @@
         </p:nvSpPr>
         <p:spPr>
           <a:xfrm>
-            <a:off x="2909418" y="4478725"/>
+            <a:off x="3311202" y="3938391"/>
             <a:ext cx="1056640" cy="669991"/>
           </a:xfrm>
           <a:custGeom>
@@ -10912,7 +11039,7 @@
         </p:nvSpPr>
         <p:spPr>
           <a:xfrm>
-            <a:off x="1405738" y="5616645"/>
+            <a:off x="1807522" y="5076311"/>
             <a:ext cx="721360" cy="802640"/>
           </a:xfrm>
           <a:prstGeom prst="ellipse">
@@ -10968,7 +11095,7 @@
         </p:nvSpPr>
         <p:spPr>
           <a:xfrm>
-            <a:off x="1964538" y="4539685"/>
+            <a:off x="2366322" y="3999351"/>
             <a:ext cx="741680" cy="1209040"/>
           </a:xfrm>
           <a:custGeom>
@@ -11070,7 +11197,7 @@
         </p:nvGrpSpPr>
         <p:grpSpPr>
           <a:xfrm>
-            <a:off x="628600" y="4234885"/>
+            <a:off x="1030384" y="3694551"/>
             <a:ext cx="707204" cy="307777"/>
             <a:chOff x="1590782" y="3428368"/>
             <a:chExt cx="707204" cy="307777"/>
@@ -11245,7 +11372,7 @@
         </p:nvGrpSpPr>
         <p:grpSpPr>
           <a:xfrm>
-            <a:off x="2000205" y="6185098"/>
+            <a:off x="2401989" y="5644764"/>
             <a:ext cx="707204" cy="307777"/>
             <a:chOff x="1590782" y="3428368"/>
             <a:chExt cx="707204" cy="307777"/>
@@ -11420,7 +11547,7 @@
         </p:nvGrpSpPr>
         <p:grpSpPr>
           <a:xfrm>
-            <a:off x="2015616" y="3333225"/>
+            <a:off x="2417400" y="2792891"/>
             <a:ext cx="1030839" cy="307777"/>
             <a:chOff x="2143874" y="3436507"/>
             <a:chExt cx="1030839" cy="307777"/>
@@ -11595,7 +11722,7 @@
         </p:nvGrpSpPr>
         <p:grpSpPr>
           <a:xfrm>
-            <a:off x="3070778" y="3539929"/>
+            <a:off x="3472562" y="2999595"/>
             <a:ext cx="707204" cy="307777"/>
             <a:chOff x="1590782" y="3428368"/>
             <a:chExt cx="707204" cy="307777"/>
@@ -11768,7 +11895,7 @@
         </p:nvGrpSpPr>
         <p:grpSpPr>
           <a:xfrm>
-            <a:off x="4131584" y="5502574"/>
+            <a:off x="4533368" y="4962240"/>
             <a:ext cx="1106184" cy="307777"/>
             <a:chOff x="2143874" y="3447359"/>
             <a:chExt cx="1106184" cy="307777"/>
@@ -11941,7 +12068,7 @@
         </p:nvSpPr>
         <p:spPr>
           <a:xfrm>
-            <a:off x="9125103" y="4738450"/>
+            <a:off x="9526887" y="4198116"/>
             <a:ext cx="1056640" cy="1331437"/>
           </a:xfrm>
           <a:prstGeom prst="cloud">
@@ -11993,7 +12120,7 @@
         </p:nvSpPr>
         <p:spPr>
           <a:xfrm>
-            <a:off x="7408062" y="4175286"/>
+            <a:off x="7809846" y="3634952"/>
             <a:ext cx="1574801" cy="1899920"/>
           </a:xfrm>
           <a:prstGeom prst="cloud">
@@ -12039,7 +12166,7 @@
         </p:nvSpPr>
         <p:spPr>
           <a:xfrm>
-            <a:off x="6859422" y="4723926"/>
+            <a:off x="7261206" y="4183592"/>
             <a:ext cx="721360" cy="802640"/>
           </a:xfrm>
           <a:prstGeom prst="ellipse">
@@ -12095,7 +12222,7 @@
         </p:nvSpPr>
         <p:spPr>
           <a:xfrm>
-            <a:off x="8693302" y="4027966"/>
+            <a:off x="9095086" y="3487632"/>
             <a:ext cx="721360" cy="802640"/>
           </a:xfrm>
           <a:prstGeom prst="ellipse">
@@ -12151,7 +12278,7 @@
         </p:nvSpPr>
         <p:spPr>
           <a:xfrm>
-            <a:off x="10237622" y="4983006"/>
+            <a:off x="10639406" y="4442672"/>
             <a:ext cx="721360" cy="802640"/>
           </a:xfrm>
           <a:prstGeom prst="ellipse">
@@ -12207,7 +12334,7 @@
         </p:nvSpPr>
         <p:spPr>
           <a:xfrm>
-            <a:off x="7550302" y="4551206"/>
+            <a:off x="7952086" y="4010872"/>
             <a:ext cx="1320800" cy="808197"/>
           </a:xfrm>
           <a:custGeom>
@@ -12305,7 +12432,7 @@
         </p:nvSpPr>
         <p:spPr>
           <a:xfrm>
-            <a:off x="9186062" y="4805206"/>
+            <a:off x="9587846" y="4264872"/>
             <a:ext cx="1056640" cy="669991"/>
           </a:xfrm>
           <a:custGeom>
@@ -12403,7 +12530,7 @@
         </p:nvSpPr>
         <p:spPr>
           <a:xfrm>
-            <a:off x="7580782" y="5689126"/>
+            <a:off x="7982566" y="5148792"/>
             <a:ext cx="721360" cy="802640"/>
           </a:xfrm>
           <a:prstGeom prst="ellipse">
@@ -12459,7 +12586,7 @@
         </p:nvSpPr>
         <p:spPr>
           <a:xfrm>
-            <a:off x="8139582" y="4612166"/>
+            <a:off x="8541366" y="4071832"/>
             <a:ext cx="741680" cy="1209040"/>
           </a:xfrm>
           <a:custGeom>
@@ -12557,7 +12684,7 @@
         </p:nvGrpSpPr>
         <p:grpSpPr>
           <a:xfrm>
-            <a:off x="6682925" y="4388773"/>
+            <a:off x="7084709" y="3848439"/>
             <a:ext cx="707204" cy="307777"/>
             <a:chOff x="1590782" y="3428368"/>
             <a:chExt cx="707204" cy="307777"/>
@@ -12732,7 +12859,7 @@
         </p:nvGrpSpPr>
         <p:grpSpPr>
           <a:xfrm>
-            <a:off x="8054530" y="6338986"/>
+            <a:off x="8456314" y="5798652"/>
             <a:ext cx="707204" cy="307777"/>
             <a:chOff x="1590782" y="3428368"/>
             <a:chExt cx="707204" cy="307777"/>
@@ -12907,7 +13034,7 @@
         </p:nvGrpSpPr>
         <p:grpSpPr>
           <a:xfrm>
-            <a:off x="8177882" y="3638909"/>
+            <a:off x="8579666" y="3098575"/>
             <a:ext cx="1030839" cy="307777"/>
             <a:chOff x="2143874" y="3436507"/>
             <a:chExt cx="1030839" cy="307777"/>
@@ -13082,7 +13209,7 @@
         </p:nvGrpSpPr>
         <p:grpSpPr>
           <a:xfrm>
-            <a:off x="9125103" y="3693817"/>
+            <a:off x="9526887" y="3153483"/>
             <a:ext cx="707204" cy="307777"/>
             <a:chOff x="1590782" y="3428368"/>
             <a:chExt cx="707204" cy="307777"/>
@@ -13255,7 +13382,7 @@
         </p:nvGrpSpPr>
         <p:grpSpPr>
           <a:xfrm>
-            <a:off x="10111141" y="5785646"/>
+            <a:off x="10512925" y="5245312"/>
             <a:ext cx="1106184" cy="307777"/>
             <a:chOff x="2143874" y="3447359"/>
             <a:chExt cx="1106184" cy="307777"/>
@@ -13428,7 +13555,7 @@
         </p:nvSpPr>
         <p:spPr>
           <a:xfrm>
-            <a:off x="3198702" y="2977989"/>
+            <a:off x="3600486" y="2437655"/>
             <a:ext cx="1986634" cy="369332"/>
           </a:xfrm>
           <a:prstGeom prst="rect">
@@ -13463,7 +13590,7 @@
         </p:nvSpPr>
         <p:spPr>
           <a:xfrm>
-            <a:off x="6988470" y="2997658"/>
+            <a:off x="7390254" y="2457324"/>
             <a:ext cx="2070760" cy="369332"/>
           </a:xfrm>
           <a:prstGeom prst="rect">
@@ -13480,6 +13607,211 @@
             <a:r>
               <a:rPr lang="en-US" dirty="0"/>
               <a:t>With customer topo</a:t>
+            </a:r>
+          </a:p>
+        </p:txBody>
+      </p:sp>
+      <p:sp>
+        <p:nvSpPr>
+          <p:cNvPr id="25" name="Content Placeholder 2">
+            <a:extLst>
+              <a:ext uri="{FF2B5EF4-FFF2-40B4-BE49-F238E27FC236}">
+                <a16:creationId xmlns:a16="http://schemas.microsoft.com/office/drawing/2014/main" id="{0AC5E864-E477-BE53-E6DA-EF09A6F301F5}"/>
+              </a:ext>
+            </a:extLst>
+          </p:cNvPr>
+          <p:cNvSpPr txBox="1">
+            <a:spLocks/>
+          </p:cNvSpPr>
+          <p:nvPr/>
+        </p:nvSpPr>
+        <p:spPr>
+          <a:xfrm>
+            <a:off x="5954260" y="6065973"/>
+            <a:ext cx="5915891" cy="751284"/>
+          </a:xfrm>
+          <a:prstGeom prst="rect">
+            <a:avLst/>
+          </a:prstGeom>
+        </p:spPr>
+        <p:txBody>
+          <a:bodyPr vert="horz" lIns="91440" tIns="45720" rIns="91440" bIns="45720" rtlCol="0">
+            <a:normAutofit fontScale="92500" lnSpcReduction="20000"/>
+          </a:bodyPr>
+          <a:lstStyle>
+            <a:lvl1pPr marL="228600" indent="-228600" algn="l" defTabSz="914400" rtl="0" eaLnBrk="1" latinLnBrk="0" hangingPunct="1">
+              <a:lnSpc>
+                <a:spcPct val="90000"/>
+              </a:lnSpc>
+              <a:spcBef>
+                <a:spcPts val="1000"/>
+              </a:spcBef>
+              <a:buFont typeface="Arial" panose="020B0604020202020204" pitchFamily="34" charset="0"/>
+              <a:buChar char="•"/>
+              <a:defRPr sz="2800" kern="1200">
+                <a:solidFill>
+                  <a:schemeClr val="tx1"/>
+                </a:solidFill>
+                <a:latin typeface="+mn-lt"/>
+                <a:ea typeface="+mn-ea"/>
+                <a:cs typeface="+mn-cs"/>
+              </a:defRPr>
+            </a:lvl1pPr>
+            <a:lvl2pPr marL="685800" indent="-228600" algn="l" defTabSz="914400" rtl="0" eaLnBrk="1" latinLnBrk="0" hangingPunct="1">
+              <a:lnSpc>
+                <a:spcPct val="90000"/>
+              </a:lnSpc>
+              <a:spcBef>
+                <a:spcPts val="500"/>
+              </a:spcBef>
+              <a:buFont typeface="Arial" panose="020B0604020202020204" pitchFamily="34" charset="0"/>
+              <a:buChar char="•"/>
+              <a:defRPr sz="2400" kern="1200">
+                <a:solidFill>
+                  <a:schemeClr val="tx1"/>
+                </a:solidFill>
+                <a:latin typeface="+mn-lt"/>
+                <a:ea typeface="+mn-ea"/>
+                <a:cs typeface="+mn-cs"/>
+              </a:defRPr>
+            </a:lvl2pPr>
+            <a:lvl3pPr marL="1143000" indent="-228600" algn="l" defTabSz="914400" rtl="0" eaLnBrk="1" latinLnBrk="0" hangingPunct="1">
+              <a:lnSpc>
+                <a:spcPct val="90000"/>
+              </a:lnSpc>
+              <a:spcBef>
+                <a:spcPts val="500"/>
+              </a:spcBef>
+              <a:buFont typeface="Arial" panose="020B0604020202020204" pitchFamily="34" charset="0"/>
+              <a:buChar char="•"/>
+              <a:defRPr sz="2000" kern="1200">
+                <a:solidFill>
+                  <a:schemeClr val="tx1"/>
+                </a:solidFill>
+                <a:latin typeface="+mn-lt"/>
+                <a:ea typeface="+mn-ea"/>
+                <a:cs typeface="+mn-cs"/>
+              </a:defRPr>
+            </a:lvl3pPr>
+            <a:lvl4pPr marL="1600200" indent="-228600" algn="l" defTabSz="914400" rtl="0" eaLnBrk="1" latinLnBrk="0" hangingPunct="1">
+              <a:lnSpc>
+                <a:spcPct val="90000"/>
+              </a:lnSpc>
+              <a:spcBef>
+                <a:spcPts val="500"/>
+              </a:spcBef>
+              <a:buFont typeface="Arial" panose="020B0604020202020204" pitchFamily="34" charset="0"/>
+              <a:buChar char="•"/>
+              <a:defRPr sz="1800" kern="1200">
+                <a:solidFill>
+                  <a:schemeClr val="tx1"/>
+                </a:solidFill>
+                <a:latin typeface="+mn-lt"/>
+                <a:ea typeface="+mn-ea"/>
+                <a:cs typeface="+mn-cs"/>
+              </a:defRPr>
+            </a:lvl4pPr>
+            <a:lvl5pPr marL="2057400" indent="-228600" algn="l" defTabSz="914400" rtl="0" eaLnBrk="1" latinLnBrk="0" hangingPunct="1">
+              <a:lnSpc>
+                <a:spcPct val="90000"/>
+              </a:lnSpc>
+              <a:spcBef>
+                <a:spcPts val="500"/>
+              </a:spcBef>
+              <a:buFont typeface="Arial" panose="020B0604020202020204" pitchFamily="34" charset="0"/>
+              <a:buChar char="•"/>
+              <a:defRPr sz="1800" kern="1200">
+                <a:solidFill>
+                  <a:schemeClr val="tx1"/>
+                </a:solidFill>
+                <a:latin typeface="+mn-lt"/>
+                <a:ea typeface="+mn-ea"/>
+                <a:cs typeface="+mn-cs"/>
+              </a:defRPr>
+            </a:lvl5pPr>
+            <a:lvl6pPr marL="2514600" indent="-228600" algn="l" defTabSz="914400" rtl="0" eaLnBrk="1" latinLnBrk="0" hangingPunct="1">
+              <a:lnSpc>
+                <a:spcPct val="90000"/>
+              </a:lnSpc>
+              <a:spcBef>
+                <a:spcPts val="500"/>
+              </a:spcBef>
+              <a:buFont typeface="Arial" panose="020B0604020202020204" pitchFamily="34" charset="0"/>
+              <a:buChar char="•"/>
+              <a:defRPr sz="1800" kern="1200">
+                <a:solidFill>
+                  <a:schemeClr val="tx1"/>
+                </a:solidFill>
+                <a:latin typeface="+mn-lt"/>
+                <a:ea typeface="+mn-ea"/>
+                <a:cs typeface="+mn-cs"/>
+              </a:defRPr>
+            </a:lvl6pPr>
+            <a:lvl7pPr marL="2971800" indent="-228600" algn="l" defTabSz="914400" rtl="0" eaLnBrk="1" latinLnBrk="0" hangingPunct="1">
+              <a:lnSpc>
+                <a:spcPct val="90000"/>
+              </a:lnSpc>
+              <a:spcBef>
+                <a:spcPts val="500"/>
+              </a:spcBef>
+              <a:buFont typeface="Arial" panose="020B0604020202020204" pitchFamily="34" charset="0"/>
+              <a:buChar char="•"/>
+              <a:defRPr sz="1800" kern="1200">
+                <a:solidFill>
+                  <a:schemeClr val="tx1"/>
+                </a:solidFill>
+                <a:latin typeface="+mn-lt"/>
+                <a:ea typeface="+mn-ea"/>
+                <a:cs typeface="+mn-cs"/>
+              </a:defRPr>
+            </a:lvl7pPr>
+            <a:lvl8pPr marL="3429000" indent="-228600" algn="l" defTabSz="914400" rtl="0" eaLnBrk="1" latinLnBrk="0" hangingPunct="1">
+              <a:lnSpc>
+                <a:spcPct val="90000"/>
+              </a:lnSpc>
+              <a:spcBef>
+                <a:spcPts val="500"/>
+              </a:spcBef>
+              <a:buFont typeface="Arial" panose="020B0604020202020204" pitchFamily="34" charset="0"/>
+              <a:buChar char="•"/>
+              <a:defRPr sz="1800" kern="1200">
+                <a:solidFill>
+                  <a:schemeClr val="tx1"/>
+                </a:solidFill>
+                <a:latin typeface="+mn-lt"/>
+                <a:ea typeface="+mn-ea"/>
+                <a:cs typeface="+mn-cs"/>
+              </a:defRPr>
+            </a:lvl8pPr>
+            <a:lvl9pPr marL="3886200" indent="-228600" algn="l" defTabSz="914400" rtl="0" eaLnBrk="1" latinLnBrk="0" hangingPunct="1">
+              <a:lnSpc>
+                <a:spcPct val="90000"/>
+              </a:lnSpc>
+              <a:spcBef>
+                <a:spcPts val="500"/>
+              </a:spcBef>
+              <a:buFont typeface="Arial" panose="020B0604020202020204" pitchFamily="34" charset="0"/>
+              <a:buChar char="•"/>
+              <a:defRPr sz="1800" kern="1200">
+                <a:solidFill>
+                  <a:schemeClr val="tx1"/>
+                </a:solidFill>
+                <a:latin typeface="+mn-lt"/>
+                <a:ea typeface="+mn-ea"/>
+                <a:cs typeface="+mn-cs"/>
+              </a:defRPr>
+            </a:lvl9pPr>
+          </a:lstStyle>
+          <a:p>
+            <a:r>
+              <a:rPr lang="en-US" sz="1600" dirty="0"/>
+              <a:t>Resource isolation and resource reservation between DU-CU and CU-UPF based on network planning using forecast of demand traffic matrix</a:t>
+            </a:r>
+          </a:p>
+          <a:p>
+            <a:r>
+              <a:rPr lang="en-US" sz="1600" dirty="0"/>
+              <a:t>On-demand addition of DU-CU connections based on planning</a:t>
             </a:r>
           </a:p>
         </p:txBody>
@@ -13497,7 +13829,7 @@
 </p:sld>
 </file>
 
-<file path=ppt/slides/slide7.xml><?xml version="1.0" encoding="utf-8"?>
+<file path=ppt/slides/slide8.xml><?xml version="1.0" encoding="utf-8"?>
 <p:sld xmlns:a="http://schemas.openxmlformats.org/drawingml/2006/main" xmlns:r="http://schemas.openxmlformats.org/officeDocument/2006/relationships" xmlns:p="http://schemas.openxmlformats.org/presentationml/2006/main">
   <p:cSld>
     <p:spTree>
@@ -13642,7 +13974,7 @@
 </p:sld>
 </file>
 
-<file path=ppt/slides/slide8.xml><?xml version="1.0" encoding="utf-8"?>
+<file path=ppt/slides/slide9.xml><?xml version="1.0" encoding="utf-8"?>
 <p:sld xmlns:a="http://schemas.openxmlformats.org/drawingml/2006/main" xmlns:r="http://schemas.openxmlformats.org/officeDocument/2006/relationships" xmlns:p="http://schemas.openxmlformats.org/presentationml/2006/main">
   <p:cSld>
     <p:spTree>
@@ -14307,14 +14639,16 @@
 </file>
 
 <file path=customXml/item1.xml><?xml version="1.0" encoding="utf-8"?>
-<p:properties xmlns:p="http://schemas.microsoft.com/office/2006/metadata/properties" xmlns:xsi="http://www.w3.org/2001/XMLSchema-instance" xmlns:pc="http://schemas.microsoft.com/office/infopath/2007/PartnerControls">
-  <documentManagement>
-    <HideFromDelve xmlns="71c5aaf6-e6ce-465b-b873-5148d2a4c105">false</HideFromDelve>
-  </documentManagement>
-</p:properties>
+<?mso-contentType ?>
+<spe:Receivers xmlns:spe="http://schemas.microsoft.com/sharepoint/events"/>
 </file>
 
 <file path=customXml/item2.xml><?xml version="1.0" encoding="utf-8"?>
+<?mso-contentType ?>
+<SharedContentType xmlns="Microsoft.SharePoint.Taxonomy.ContentTypeSync" SourceId="34c87397-5fc1-491e-85e7-d6110dbe9cbd" ContentTypeId="0x0101" PreviousValue="false"/>
+</file>
+
+<file path=customXml/item3.xml><?xml version="1.0" encoding="utf-8"?>
 <ct:contentTypeSchema xmlns:ct="http://schemas.microsoft.com/office/2006/metadata/contentType" xmlns:ma="http://schemas.microsoft.com/office/2006/metadata/properties/metaAttributes" ct:_="" ma:_="" ma:contentTypeName="Document" ma:contentTypeID="0x01010083185B6FD968AC4F8244C98DADFCDDF2" ma:contentTypeVersion="10" ma:contentTypeDescription="Create a new document." ma:contentTypeScope="" ma:versionID="a0a5748a9dac91f93248b2b077c41dd7">
   <xsd:schema xmlns:xsd="http://www.w3.org/2001/XMLSchema" xmlns:xs="http://www.w3.org/2001/XMLSchema" xmlns:p="http://schemas.microsoft.com/office/2006/metadata/properties" xmlns:ns3="71c5aaf6-e6ce-465b-b873-5148d2a4c105" xmlns:ns4="687e87d0-d0a8-4c48-8f94-14f0c67212c5" xmlns:ns5="b4d06219-a142-4c5f-be55-53f74cb980c7" targetNamespace="http://schemas.microsoft.com/office/2006/metadata/properties" ma:root="true" ma:fieldsID="b06f86fc5fa60c034a6b2d88bb81de5b" ns3:_="" ns4:_="" ns5:_="">
     <xsd:import namespace="71c5aaf6-e6ce-465b-b873-5148d2a4c105"/>
@@ -14553,14 +14887,12 @@
 </ct:contentTypeSchema>
 </file>
 
-<file path=customXml/item3.xml><?xml version="1.0" encoding="utf-8"?>
-<?mso-contentType ?>
-<SharedContentType xmlns="Microsoft.SharePoint.Taxonomy.ContentTypeSync" SourceId="34c87397-5fc1-491e-85e7-d6110dbe9cbd" ContentTypeId="0x0101" PreviousValue="false"/>
-</file>
-
 <file path=customXml/item4.xml><?xml version="1.0" encoding="utf-8"?>
-<?mso-contentType ?>
-<spe:Receivers xmlns:spe="http://schemas.microsoft.com/sharepoint/events"/>
+<p:properties xmlns:p="http://schemas.microsoft.com/office/2006/metadata/properties" xmlns:xsi="http://www.w3.org/2001/XMLSchema-instance" xmlns:pc="http://schemas.microsoft.com/office/infopath/2007/PartnerControls">
+  <documentManagement>
+    <HideFromDelve xmlns="71c5aaf6-e6ce-465b-b873-5148d2a4c105">false</HideFromDelve>
+  </documentManagement>
+</p:properties>
 </file>
 
 <file path=customXml/item5.xml><?xml version="1.0" encoding="utf-8"?>
@@ -14573,24 +14905,22 @@
 </file>
 
 <file path=customXml/itemProps1.xml><?xml version="1.0" encoding="utf-8"?>
-<ds:datastoreItem xmlns:ds="http://schemas.openxmlformats.org/officeDocument/2006/customXml" ds:itemID="{D1402BC5-1A46-47E2-B58E-ED5697CD9276}">
+<ds:datastoreItem xmlns:ds="http://schemas.openxmlformats.org/officeDocument/2006/customXml" ds:itemID="{917A1171-45E3-4E0C-B712-8306AE0B7411}">
   <ds:schemaRefs>
-    <ds:schemaRef ds:uri="71c5aaf6-e6ce-465b-b873-5148d2a4c105"/>
-    <ds:schemaRef ds:uri="http://purl.org/dc/elements/1.1/"/>
-    <ds:schemaRef ds:uri="http://schemas.openxmlformats.org/package/2006/metadata/core-properties"/>
-    <ds:schemaRef ds:uri="687e87d0-d0a8-4c48-8f94-14f0c67212c5"/>
-    <ds:schemaRef ds:uri="http://schemas.microsoft.com/office/2006/documentManagement/types"/>
-    <ds:schemaRef ds:uri="http://purl.org/dc/terms/"/>
-    <ds:schemaRef ds:uri="http://purl.org/dc/dcmitype/"/>
-    <ds:schemaRef ds:uri="http://schemas.microsoft.com/office/infopath/2007/PartnerControls"/>
-    <ds:schemaRef ds:uri="b4d06219-a142-4c5f-be55-53f74cb980c7"/>
-    <ds:schemaRef ds:uri="http://schemas.microsoft.com/office/2006/metadata/properties"/>
-    <ds:schemaRef ds:uri="http://www.w3.org/XML/1998/namespace"/>
+    <ds:schemaRef ds:uri="http://schemas.microsoft.com/sharepoint/events"/>
   </ds:schemaRefs>
 </ds:datastoreItem>
 </file>
 
 <file path=customXml/itemProps2.xml><?xml version="1.0" encoding="utf-8"?>
+<ds:datastoreItem xmlns:ds="http://schemas.openxmlformats.org/officeDocument/2006/customXml" ds:itemID="{68412ECC-D61E-4B23-B7FF-722505864B65}">
+  <ds:schemaRefs>
+    <ds:schemaRef ds:uri="Microsoft.SharePoint.Taxonomy.ContentTypeSync"/>
+  </ds:schemaRefs>
+</ds:datastoreItem>
+</file>
+
+<file path=customXml/itemProps3.xml><?xml version="1.0" encoding="utf-8"?>
 <ds:datastoreItem xmlns:ds="http://schemas.openxmlformats.org/officeDocument/2006/customXml" ds:itemID="{334975F1-7A16-4F7E-84AE-F419563FD202}">
   <ds:schemaRefs>
     <ds:schemaRef ds:uri="http://schemas.microsoft.com/office/2006/metadata/contentType"/>
@@ -14610,18 +14940,20 @@
 </ds:datastoreItem>
 </file>
 
-<file path=customXml/itemProps3.xml><?xml version="1.0" encoding="utf-8"?>
-<ds:datastoreItem xmlns:ds="http://schemas.openxmlformats.org/officeDocument/2006/customXml" ds:itemID="{68412ECC-D61E-4B23-B7FF-722505864B65}">
+<file path=customXml/itemProps4.xml><?xml version="1.0" encoding="utf-8"?>
+<ds:datastoreItem xmlns:ds="http://schemas.openxmlformats.org/officeDocument/2006/customXml" ds:itemID="{D1402BC5-1A46-47E2-B58E-ED5697CD9276}">
   <ds:schemaRefs>
-    <ds:schemaRef ds:uri="Microsoft.SharePoint.Taxonomy.ContentTypeSync"/>
-  </ds:schemaRefs>
-</ds:datastoreItem>
-</file>
-
-<file path=customXml/itemProps4.xml><?xml version="1.0" encoding="utf-8"?>
-<ds:datastoreItem xmlns:ds="http://schemas.openxmlformats.org/officeDocument/2006/customXml" ds:itemID="{917A1171-45E3-4E0C-B712-8306AE0B7411}">
-  <ds:schemaRefs>
-    <ds:schemaRef ds:uri="http://schemas.microsoft.com/sharepoint/events"/>
+    <ds:schemaRef ds:uri="71c5aaf6-e6ce-465b-b873-5148d2a4c105"/>
+    <ds:schemaRef ds:uri="http://purl.org/dc/elements/1.1/"/>
+    <ds:schemaRef ds:uri="http://schemas.openxmlformats.org/package/2006/metadata/core-properties"/>
+    <ds:schemaRef ds:uri="687e87d0-d0a8-4c48-8f94-14f0c67212c5"/>
+    <ds:schemaRef ds:uri="http://schemas.microsoft.com/office/2006/documentManagement/types"/>
+    <ds:schemaRef ds:uri="http://purl.org/dc/terms/"/>
+    <ds:schemaRef ds:uri="http://purl.org/dc/dcmitype/"/>
+    <ds:schemaRef ds:uri="http://schemas.microsoft.com/office/infopath/2007/PartnerControls"/>
+    <ds:schemaRef ds:uri="b4d06219-a142-4c5f-be55-53f74cb980c7"/>
+    <ds:schemaRef ds:uri="http://schemas.microsoft.com/office/2006/metadata/properties"/>
+    <ds:schemaRef ds:uri="http://www.w3.org/XML/1998/namespace"/>
   </ds:schemaRefs>
 </ds:datastoreItem>
 </file>

--- a/meeting-materials/draft-liu-teas-transport-network-slice-yang-07-ietf-118.pptx
+++ b/meeting-materials/draft-liu-teas-transport-network-slice-yang-07-ietf-118.pptx
@@ -228,7 +228,7 @@
           <a:p>
             <a:fld id="{59711742-25F0-43F6-882D-B8403339F2D1}" type="datetimeFigureOut">
               <a:rPr lang="en-US" smtClean="0"/>
-              <a:t>10/26/23</a:t>
+              <a:t>10/31/2023</a:t>
             </a:fld>
             <a:endParaRPr lang="en-US"/>
           </a:p>
@@ -1015,7 +1015,7 @@
           <a:p>
             <a:fld id="{11EADF87-7BA1-4934-894F-828C76552A18}" type="datetime1">
               <a:rPr lang="en-US" smtClean="0"/>
-              <a:t>10/26/23</a:t>
+              <a:t>10/31/2023</a:t>
             </a:fld>
             <a:endParaRPr lang="en-US"/>
           </a:p>
@@ -1216,7 +1216,7 @@
           <a:p>
             <a:fld id="{85D92055-2432-4DF3-97D9-9AAC5D502BA1}" type="datetime1">
               <a:rPr lang="en-US" smtClean="0"/>
-              <a:t>10/26/23</a:t>
+              <a:t>10/31/2023</a:t>
             </a:fld>
             <a:endParaRPr lang="en-US"/>
           </a:p>
@@ -1427,7 +1427,7 @@
           <a:p>
             <a:fld id="{9982AC4B-3F7F-442E-97CB-3FE75166B923}" type="datetime1">
               <a:rPr lang="en-US" smtClean="0"/>
-              <a:t>10/26/23</a:t>
+              <a:t>10/31/2023</a:t>
             </a:fld>
             <a:endParaRPr lang="en-US"/>
           </a:p>
@@ -1839,7 +1839,7 @@
           <a:p>
             <a:fld id="{86764C34-DC39-41C4-8B6A-5EA7B47F74F1}" type="datetime1">
               <a:rPr lang="en-US" smtClean="0"/>
-              <a:t>10/26/23</a:t>
+              <a:t>10/31/2023</a:t>
             </a:fld>
             <a:endParaRPr lang="en-US"/>
           </a:p>
@@ -2117,7 +2117,7 @@
           <a:p>
             <a:fld id="{9AD06E72-0C8D-44B3-AA53-2FB152485C62}" type="datetime1">
               <a:rPr lang="en-US" smtClean="0"/>
-              <a:t>10/26/23</a:t>
+              <a:t>10/31/2023</a:t>
             </a:fld>
             <a:endParaRPr lang="en-US"/>
           </a:p>
@@ -2385,7 +2385,7 @@
           <a:p>
             <a:fld id="{66188E82-78A8-432F-A905-64D37DCF7108}" type="datetime1">
               <a:rPr lang="en-US" smtClean="0"/>
-              <a:t>10/26/23</a:t>
+              <a:t>10/31/2023</a:t>
             </a:fld>
             <a:endParaRPr lang="en-US"/>
           </a:p>
@@ -2800,7 +2800,7 @@
           <a:p>
             <a:fld id="{4F6C27C5-5812-4AB4-AA99-BFA1A6532403}" type="datetime1">
               <a:rPr lang="en-US" smtClean="0"/>
-              <a:t>10/26/23</a:t>
+              <a:t>10/31/2023</a:t>
             </a:fld>
             <a:endParaRPr lang="en-US"/>
           </a:p>
@@ -2944,7 +2944,7 @@
           <a:p>
             <a:fld id="{01E17CC1-43C0-45B8-AB30-B4F1979189AC}" type="datetime1">
               <a:rPr lang="en-US" smtClean="0"/>
-              <a:t>10/26/23</a:t>
+              <a:t>10/31/2023</a:t>
             </a:fld>
             <a:endParaRPr lang="en-US"/>
           </a:p>
@@ -3060,7 +3060,7 @@
           <a:p>
             <a:fld id="{86720E5C-818F-46A2-A674-ACF0EF433E2C}" type="datetime1">
               <a:rPr lang="en-US" smtClean="0"/>
-              <a:t>10/26/23</a:t>
+              <a:t>10/31/2023</a:t>
             </a:fld>
             <a:endParaRPr lang="en-US"/>
           </a:p>
@@ -3374,7 +3374,7 @@
           <a:p>
             <a:fld id="{3BF26B5B-FDE8-4DDB-82A7-BEF41002D93B}" type="datetime1">
               <a:rPr lang="en-US" smtClean="0"/>
-              <a:t>10/26/23</a:t>
+              <a:t>10/31/2023</a:t>
             </a:fld>
             <a:endParaRPr lang="en-US"/>
           </a:p>
@@ -3665,7 +3665,7 @@
           <a:p>
             <a:fld id="{5CC07EE6-18E8-48EE-9715-5838292A3776}" type="datetime1">
               <a:rPr lang="en-US" smtClean="0"/>
-              <a:t>10/26/23</a:t>
+              <a:t>10/31/2023</a:t>
             </a:fld>
             <a:endParaRPr lang="en-US"/>
           </a:p>
@@ -3909,7 +3909,7 @@
           <a:p>
             <a:fld id="{9025BCED-13F6-41CB-8B3C-875C16F6C384}" type="datetime1">
               <a:rPr lang="en-US" smtClean="0"/>
-              <a:t>10/26/23</a:t>
+              <a:t>10/31/2023</a:t>
             </a:fld>
             <a:endParaRPr lang="en-US"/>
           </a:p>
@@ -5037,7 +5037,7 @@
           <a:p>
             <a:r>
               <a:rPr lang="en-US" dirty="0"/>
-              <a:t>Similar Requirements in ACTN VN Type 2</a:t>
+              <a:t>Similar Requirements in ACTN VN Type 2 for Using Customized Topologies</a:t>
             </a:r>
           </a:p>
         </p:txBody>
@@ -5058,18 +5058,114 @@
             <p:ph idx="1"/>
           </p:nvPr>
         </p:nvSpPr>
-        <p:spPr/>
+        <p:spPr>
+          <a:xfrm>
+            <a:off x="838200" y="1825625"/>
+            <a:ext cx="10629899" cy="4351338"/>
+          </a:xfrm>
+        </p:spPr>
         <p:txBody>
-          <a:bodyPr/>
+          <a:bodyPr>
+            <a:normAutofit fontScale="85000" lnSpcReduction="20000"/>
+          </a:bodyPr>
           <a:lstStyle/>
           <a:p>
+            <a:r>
+              <a:rPr lang="en-US" dirty="0"/>
+              <a:t>ACTN VN was considered as an equivalent concept to network slicing</a:t>
+            </a:r>
+          </a:p>
+          <a:p>
+            <a:pPr lvl="1"/>
+            <a:r>
+              <a:rPr lang="en-US" dirty="0"/>
+              <a:t>WG decided to re-define new concept for network slices, rather than reusing the terms defined in ACTN VN</a:t>
+            </a:r>
+          </a:p>
+          <a:p>
+            <a:pPr lvl="1"/>
+            <a:r>
+              <a:rPr lang="en-US" dirty="0"/>
+              <a:t>However, similar requirements would be posted against network slicing</a:t>
+            </a:r>
+          </a:p>
+          <a:p>
+            <a:pPr lvl="1"/>
+            <a:endParaRPr lang="en-US" dirty="0"/>
+          </a:p>
+          <a:p>
+            <a:r>
+              <a:rPr lang="en-US" dirty="0"/>
+              <a:t>Similar debates under ACTN VN development for using topologies to express VN requests, which resulted in the definition of two types of VNs</a:t>
+            </a:r>
+          </a:p>
+          <a:p>
+            <a:pPr lvl="1"/>
             <a:r>
               <a:rPr lang="en-US" dirty="0">
                 <a:solidFill>
-                  <a:srgbClr val="0070C0"/>
+                  <a:srgbClr val="FF0000"/>
                 </a:solidFill>
               </a:rPr>
-              <a:t>TODO – add ACTN VN Type 2 description (Italo)</a:t>
+              <a:t>Type 1 VN </a:t>
+            </a:r>
+            <a:r>
+              <a:rPr lang="en-US" dirty="0"/>
+              <a:t>is connectivity-based VN, where a VN is defined as a set of edge-to-edge abstract links (VN members)  == network slice with connectivity constructs</a:t>
+            </a:r>
+          </a:p>
+          <a:p>
+            <a:pPr lvl="1"/>
+            <a:r>
+              <a:rPr lang="en-US" dirty="0">
+                <a:solidFill>
+                  <a:srgbClr val="FF0000"/>
+                </a:solidFill>
+              </a:rPr>
+              <a:t>Type 2 VN </a:t>
+            </a:r>
+            <a:r>
+              <a:rPr lang="en-US" dirty="0"/>
+              <a:t>is topology-based VN, where a topology is used to express actual paths for VN members  == topology defined by this draft</a:t>
+            </a:r>
+          </a:p>
+          <a:p>
+            <a:pPr lvl="2"/>
+            <a:r>
+              <a:rPr lang="en-US" dirty="0"/>
+              <a:t>Type 1 VN is actually a special case of Type 2 VN </a:t>
+            </a:r>
+          </a:p>
+          <a:p>
+            <a:pPr lvl="2"/>
+            <a:r>
+              <a:rPr lang="en-US" dirty="0"/>
+              <a:t>A customized topology can be created a prior (agreed mutually between CNC and MDSC)</a:t>
+            </a:r>
+          </a:p>
+          <a:p>
+            <a:pPr lvl="2"/>
+            <a:r>
+              <a:rPr lang="en-US" dirty="0"/>
+              <a:t>A customized topology can also be created “on the fly” by the MDSC as part of VN instantiation</a:t>
+            </a:r>
+          </a:p>
+          <a:p>
+            <a:pPr lvl="2"/>
+            <a:r>
+              <a:rPr lang="en-US" dirty="0"/>
+              <a:t>TE topology model is used for defining customized topologies</a:t>
+            </a:r>
+          </a:p>
+          <a:p>
+            <a:pPr lvl="3"/>
+            <a:r>
+              <a:rPr lang="en-US" dirty="0">
+                <a:solidFill>
+                  <a:schemeClr val="accent1"/>
+                </a:solidFill>
+              </a:rPr>
+              <a:t>Diff for this draft: gaps in TE topology with missing SLO/SLE definitions</a:t>
             </a:r>
           </a:p>
         </p:txBody>
@@ -14640,15 +14736,32 @@
 
 <file path=customXml/item1.xml><?xml version="1.0" encoding="utf-8"?>
 <?mso-contentType ?>
-<spe:Receivers xmlns:spe="http://schemas.microsoft.com/sharepoint/events"/>
+<SharedContentType xmlns="Microsoft.SharePoint.Taxonomy.ContentTypeSync" SourceId="34c87397-5fc1-491e-85e7-d6110dbe9cbd" ContentTypeId="0x0101" PreviousValue="false"/>
 </file>
 
 <file path=customXml/item2.xml><?xml version="1.0" encoding="utf-8"?>
 <?mso-contentType ?>
-<SharedContentType xmlns="Microsoft.SharePoint.Taxonomy.ContentTypeSync" SourceId="34c87397-5fc1-491e-85e7-d6110dbe9cbd" ContentTypeId="0x0101" PreviousValue="false"/>
+<spe:Receivers xmlns:spe="http://schemas.microsoft.com/sharepoint/events"/>
 </file>
 
 <file path=customXml/item3.xml><?xml version="1.0" encoding="utf-8"?>
+<?mso-contentType ?>
+<FormTemplates xmlns="http://schemas.microsoft.com/sharepoint/v3/contenttype/forms">
+  <Display>DocumentLibraryForm</Display>
+  <Edit>DocumentLibraryForm</Edit>
+  <New>DocumentLibraryForm</New>
+</FormTemplates>
+</file>
+
+<file path=customXml/item4.xml><?xml version="1.0" encoding="utf-8"?>
+<p:properties xmlns:p="http://schemas.microsoft.com/office/2006/metadata/properties" xmlns:xsi="http://www.w3.org/2001/XMLSchema-instance" xmlns:pc="http://schemas.microsoft.com/office/infopath/2007/PartnerControls">
+  <documentManagement>
+    <HideFromDelve xmlns="71c5aaf6-e6ce-465b-b873-5148d2a4c105">false</HideFromDelve>
+  </documentManagement>
+</p:properties>
+</file>
+
+<file path=customXml/item5.xml><?xml version="1.0" encoding="utf-8"?>
 <ct:contentTypeSchema xmlns:ct="http://schemas.microsoft.com/office/2006/metadata/contentType" xmlns:ma="http://schemas.microsoft.com/office/2006/metadata/properties/metaAttributes" ct:_="" ma:_="" ma:contentTypeName="Document" ma:contentTypeID="0x01010083185B6FD968AC4F8244C98DADFCDDF2" ma:contentTypeVersion="10" ma:contentTypeDescription="Create a new document." ma:contentTypeScope="" ma:versionID="a0a5748a9dac91f93248b2b077c41dd7">
   <xsd:schema xmlns:xsd="http://www.w3.org/2001/XMLSchema" xmlns:xs="http://www.w3.org/2001/XMLSchema" xmlns:p="http://schemas.microsoft.com/office/2006/metadata/properties" xmlns:ns3="71c5aaf6-e6ce-465b-b873-5148d2a4c105" xmlns:ns4="687e87d0-d0a8-4c48-8f94-14f0c67212c5" xmlns:ns5="b4d06219-a142-4c5f-be55-53f74cb980c7" targetNamespace="http://schemas.microsoft.com/office/2006/metadata/properties" ma:root="true" ma:fieldsID="b06f86fc5fa60c034a6b2d88bb81de5b" ns3:_="" ns4:_="" ns5:_="">
     <xsd:import namespace="71c5aaf6-e6ce-465b-b873-5148d2a4c105"/>
@@ -14887,24 +15000,15 @@
 </ct:contentTypeSchema>
 </file>
 
-<file path=customXml/item4.xml><?xml version="1.0" encoding="utf-8"?>
-<p:properties xmlns:p="http://schemas.microsoft.com/office/2006/metadata/properties" xmlns:xsi="http://www.w3.org/2001/XMLSchema-instance" xmlns:pc="http://schemas.microsoft.com/office/infopath/2007/PartnerControls">
-  <documentManagement>
-    <HideFromDelve xmlns="71c5aaf6-e6ce-465b-b873-5148d2a4c105">false</HideFromDelve>
-  </documentManagement>
-</p:properties>
+<file path=customXml/itemProps1.xml><?xml version="1.0" encoding="utf-8"?>
+<ds:datastoreItem xmlns:ds="http://schemas.openxmlformats.org/officeDocument/2006/customXml" ds:itemID="{68412ECC-D61E-4B23-B7FF-722505864B65}">
+  <ds:schemaRefs>
+    <ds:schemaRef ds:uri="Microsoft.SharePoint.Taxonomy.ContentTypeSync"/>
+  </ds:schemaRefs>
+</ds:datastoreItem>
 </file>
 
-<file path=customXml/item5.xml><?xml version="1.0" encoding="utf-8"?>
-<?mso-contentType ?>
-<FormTemplates xmlns="http://schemas.microsoft.com/sharepoint/v3/contenttype/forms">
-  <Display>DocumentLibraryForm</Display>
-  <Edit>DocumentLibraryForm</Edit>
-  <New>DocumentLibraryForm</New>
-</FormTemplates>
-</file>
-
-<file path=customXml/itemProps1.xml><?xml version="1.0" encoding="utf-8"?>
+<file path=customXml/itemProps2.xml><?xml version="1.0" encoding="utf-8"?>
 <ds:datastoreItem xmlns:ds="http://schemas.openxmlformats.org/officeDocument/2006/customXml" ds:itemID="{917A1171-45E3-4E0C-B712-8306AE0B7411}">
   <ds:schemaRefs>
     <ds:schemaRef ds:uri="http://schemas.microsoft.com/sharepoint/events"/>
@@ -14912,30 +15016,10 @@
 </ds:datastoreItem>
 </file>
 
-<file path=customXml/itemProps2.xml><?xml version="1.0" encoding="utf-8"?>
-<ds:datastoreItem xmlns:ds="http://schemas.openxmlformats.org/officeDocument/2006/customXml" ds:itemID="{68412ECC-D61E-4B23-B7FF-722505864B65}">
+<file path=customXml/itemProps3.xml><?xml version="1.0" encoding="utf-8"?>
+<ds:datastoreItem xmlns:ds="http://schemas.openxmlformats.org/officeDocument/2006/customXml" ds:itemID="{FFF5BEF5-BF1F-44F4-AFBC-1295B944FD55}">
   <ds:schemaRefs>
-    <ds:schemaRef ds:uri="Microsoft.SharePoint.Taxonomy.ContentTypeSync"/>
-  </ds:schemaRefs>
-</ds:datastoreItem>
-</file>
-
-<file path=customXml/itemProps3.xml><?xml version="1.0" encoding="utf-8"?>
-<ds:datastoreItem xmlns:ds="http://schemas.openxmlformats.org/officeDocument/2006/customXml" ds:itemID="{334975F1-7A16-4F7E-84AE-F419563FD202}">
-  <ds:schemaRefs>
-    <ds:schemaRef ds:uri="http://schemas.microsoft.com/office/2006/metadata/contentType"/>
-    <ds:schemaRef ds:uri="http://schemas.microsoft.com/office/2006/metadata/properties/metaAttributes"/>
-    <ds:schemaRef ds:uri="http://www.w3.org/2001/XMLSchema"/>
-    <ds:schemaRef ds:uri="http://schemas.microsoft.com/office/2006/metadata/properties"/>
-    <ds:schemaRef ds:uri="71c5aaf6-e6ce-465b-b873-5148d2a4c105"/>
-    <ds:schemaRef ds:uri="687e87d0-d0a8-4c48-8f94-14f0c67212c5"/>
-    <ds:schemaRef ds:uri="b4d06219-a142-4c5f-be55-53f74cb980c7"/>
-    <ds:schemaRef ds:uri="http://schemas.microsoft.com/office/2006/documentManagement/types"/>
-    <ds:schemaRef ds:uri="http://schemas.microsoft.com/office/infopath/2007/PartnerControls"/>
-    <ds:schemaRef ds:uri="http://schemas.openxmlformats.org/package/2006/metadata/core-properties"/>
-    <ds:schemaRef ds:uri="http://purl.org/dc/elements/1.1/"/>
-    <ds:schemaRef ds:uri="http://purl.org/dc/terms/"/>
-    <ds:schemaRef ds:uri="http://schemas.microsoft.com/internal/obd"/>
+    <ds:schemaRef ds:uri="http://schemas.microsoft.com/sharepoint/v3/contenttype/forms"/>
   </ds:schemaRefs>
 </ds:datastoreItem>
 </file>
@@ -14959,9 +15043,21 @@
 </file>
 
 <file path=customXml/itemProps5.xml><?xml version="1.0" encoding="utf-8"?>
-<ds:datastoreItem xmlns:ds="http://schemas.openxmlformats.org/officeDocument/2006/customXml" ds:itemID="{FFF5BEF5-BF1F-44F4-AFBC-1295B944FD55}">
+<ds:datastoreItem xmlns:ds="http://schemas.openxmlformats.org/officeDocument/2006/customXml" ds:itemID="{334975F1-7A16-4F7E-84AE-F419563FD202}">
   <ds:schemaRefs>
-    <ds:schemaRef ds:uri="http://schemas.microsoft.com/sharepoint/v3/contenttype/forms"/>
+    <ds:schemaRef ds:uri="http://schemas.microsoft.com/office/2006/metadata/contentType"/>
+    <ds:schemaRef ds:uri="http://schemas.microsoft.com/office/2006/metadata/properties/metaAttributes"/>
+    <ds:schemaRef ds:uri="http://www.w3.org/2001/XMLSchema"/>
+    <ds:schemaRef ds:uri="http://schemas.microsoft.com/office/2006/metadata/properties"/>
+    <ds:schemaRef ds:uri="71c5aaf6-e6ce-465b-b873-5148d2a4c105"/>
+    <ds:schemaRef ds:uri="687e87d0-d0a8-4c48-8f94-14f0c67212c5"/>
+    <ds:schemaRef ds:uri="b4d06219-a142-4c5f-be55-53f74cb980c7"/>
+    <ds:schemaRef ds:uri="http://schemas.microsoft.com/office/2006/documentManagement/types"/>
+    <ds:schemaRef ds:uri="http://schemas.microsoft.com/office/infopath/2007/PartnerControls"/>
+    <ds:schemaRef ds:uri="http://schemas.openxmlformats.org/package/2006/metadata/core-properties"/>
+    <ds:schemaRef ds:uri="http://purl.org/dc/elements/1.1/"/>
+    <ds:schemaRef ds:uri="http://purl.org/dc/terms/"/>
+    <ds:schemaRef ds:uri="http://schemas.microsoft.com/internal/obd"/>
   </ds:schemaRefs>
 </ds:datastoreItem>
 </file>
--- a/meeting-materials/draft-liu-teas-transport-network-slice-yang-07-ietf-118.pptx
+++ b/meeting-materials/draft-liu-teas-transport-network-slice-yang-07-ietf-118.pptx
@@ -134,6 +134,12 @@
 </p:presentation>
 </file>
 
+<file path=ppt/authors.xml><?xml version="1.0" encoding="utf-8"?>
+<p188:authorLst xmlns:a="http://schemas.openxmlformats.org/drawingml/2006/main" xmlns:r="http://schemas.openxmlformats.org/officeDocument/2006/relationships" xmlns:p188="http://schemas.microsoft.com/office/powerpoint/2018/8/main">
+  <p188:author id="{67E6B120-DB7D-0D0F-FC0F-46467778386F}" name="Sergio Belotti (Nokia)" initials="SB(" userId="S::sergio.belotti@nokia.com::1405c469-425d-44df-9775-7098fb1a68f6" providerId="AD"/>
+</p188:authorLst>
+</file>
+
 <file path=ppt/commentAuthors.xml><?xml version="1.0" encoding="utf-8"?>
 <p:cmAuthorLst xmlns:a="http://schemas.openxmlformats.org/drawingml/2006/main" xmlns:r="http://schemas.openxmlformats.org/officeDocument/2006/relationships" xmlns:p="http://schemas.openxmlformats.org/presentationml/2006/main">
   <p:cmAuthor id="1" name="Belotti, Sergio (Nokia - IT/Vimercate)" initials="BS(I" lastIdx="6" clrIdx="0">
@@ -144,6 +150,35 @@
     </p:extLst>
   </p:cmAuthor>
 </p:cmAuthorLst>
+</file>
+
+<file path=ppt/changesInfos/changesInfo1.xml><?xml version="1.0" encoding="utf-8"?>
+<pc:chgInfo xmlns:a="http://schemas.openxmlformats.org/drawingml/2006/main" xmlns:r="http://schemas.openxmlformats.org/officeDocument/2006/relationships" xmlns:ac="http://schemas.microsoft.com/office/drawing/2013/main/command" xmlns:pc="http://schemas.microsoft.com/office/powerpoint/2013/main/command">
+  <pc:docChgLst>
+    <pc:chgData name="Sergio Belotti (Nokia)" userId="1405c469-425d-44df-9775-7098fb1a68f6" providerId="ADAL" clId="{0C42C266-C40A-4563-B26D-EF113502F3EB}"/>
+    <pc:docChg chg="modSld">
+      <pc:chgData name="Sergio Belotti (Nokia)" userId="1405c469-425d-44df-9775-7098fb1a68f6" providerId="ADAL" clId="{0C42C266-C40A-4563-B26D-EF113502F3EB}" dt="2023-11-02T12:19:35.993" v="30" actId="400"/>
+      <pc:docMkLst>
+        <pc:docMk/>
+      </pc:docMkLst>
+      <pc:sldChg chg="modSp mod">
+        <pc:chgData name="Sergio Belotti (Nokia)" userId="1405c469-425d-44df-9775-7098fb1a68f6" providerId="ADAL" clId="{0C42C266-C40A-4563-B26D-EF113502F3EB}" dt="2023-11-02T12:19:35.993" v="30" actId="400"/>
+        <pc:sldMkLst>
+          <pc:docMk/>
+          <pc:sldMk cId="896816937" sldId="288"/>
+        </pc:sldMkLst>
+        <pc:spChg chg="mod">
+          <ac:chgData name="Sergio Belotti (Nokia)" userId="1405c469-425d-44df-9775-7098fb1a68f6" providerId="ADAL" clId="{0C42C266-C40A-4563-B26D-EF113502F3EB}" dt="2023-11-02T12:19:35.993" v="30" actId="400"/>
+          <ac:spMkLst>
+            <pc:docMk/>
+            <pc:sldMk cId="896816937" sldId="288"/>
+            <ac:spMk id="81" creationId="{00000000-0000-0000-0000-000000000000}"/>
+          </ac:spMkLst>
+        </pc:spChg>
+      </pc:sldChg>
+    </pc:docChg>
+  </pc:docChgLst>
+</pc:chgInfo>
 </file>
 
 <file path=ppt/notesMasters/notesMaster1.xml><?xml version="1.0" encoding="utf-8"?>
@@ -228,7 +263,7 @@
           <a:p>
             <a:fld id="{59711742-25F0-43F6-882D-B8403339F2D1}" type="datetimeFigureOut">
               <a:rPr lang="en-US" smtClean="0"/>
-              <a:t>10/31/2023</a:t>
+              <a:t>11/2/23</a:t>
             </a:fld>
             <a:endParaRPr lang="en-US"/>
           </a:p>
@@ -709,15 +744,7 @@
           <a:p>
             <a:r>
               <a:rPr lang="en-US" dirty="0"/>
-              <a:t>Resource reservation based on network planning (</a:t>
-            </a:r>
-            <a:r>
-              <a:rPr lang="en-US" dirty="0" err="1"/>
-              <a:t>forcast</a:t>
-            </a:r>
-            <a:r>
-              <a:rPr lang="en-US" dirty="0"/>
-              <a:t> of the demand traffic matrix)</a:t>
+              <a:t>Resource reservation based on network planning (forecast of the demand traffic matrix)</a:t>
             </a:r>
           </a:p>
           <a:p>
@@ -729,15 +756,7 @@
           <a:p>
             <a:r>
               <a:rPr lang="en-US" dirty="0"/>
-              <a:t> - customer has a </a:t>
-            </a:r>
-            <a:r>
-              <a:rPr lang="en-US" dirty="0" err="1"/>
-              <a:t>forcast</a:t>
-            </a:r>
-            <a:r>
-              <a:rPr lang="en-US" dirty="0"/>
-              <a:t> of demand traffic matrix between the SAPs to which the customer can be connected</a:t>
+              <a:t> - customer has a forecast of demand traffic matrix between the SAPs to which the customer can be connected</a:t>
             </a:r>
           </a:p>
           <a:p>
@@ -1015,7 +1034,7 @@
           <a:p>
             <a:fld id="{11EADF87-7BA1-4934-894F-828C76552A18}" type="datetime1">
               <a:rPr lang="en-US" smtClean="0"/>
-              <a:t>10/31/2023</a:t>
+              <a:t>11/2/23</a:t>
             </a:fld>
             <a:endParaRPr lang="en-US"/>
           </a:p>
@@ -1216,7 +1235,7 @@
           <a:p>
             <a:fld id="{85D92055-2432-4DF3-97D9-9AAC5D502BA1}" type="datetime1">
               <a:rPr lang="en-US" smtClean="0"/>
-              <a:t>10/31/2023</a:t>
+              <a:t>11/2/23</a:t>
             </a:fld>
             <a:endParaRPr lang="en-US"/>
           </a:p>
@@ -1427,7 +1446,7 @@
           <a:p>
             <a:fld id="{9982AC4B-3F7F-442E-97CB-3FE75166B923}" type="datetime1">
               <a:rPr lang="en-US" smtClean="0"/>
-              <a:t>10/31/2023</a:t>
+              <a:t>11/2/23</a:t>
             </a:fld>
             <a:endParaRPr lang="en-US"/>
           </a:p>
@@ -1839,7 +1858,7 @@
           <a:p>
             <a:fld id="{86764C34-DC39-41C4-8B6A-5EA7B47F74F1}" type="datetime1">
               <a:rPr lang="en-US" smtClean="0"/>
-              <a:t>10/31/2023</a:t>
+              <a:t>11/2/23</a:t>
             </a:fld>
             <a:endParaRPr lang="en-US"/>
           </a:p>
@@ -2117,7 +2136,7 @@
           <a:p>
             <a:fld id="{9AD06E72-0C8D-44B3-AA53-2FB152485C62}" type="datetime1">
               <a:rPr lang="en-US" smtClean="0"/>
-              <a:t>10/31/2023</a:t>
+              <a:t>11/2/23</a:t>
             </a:fld>
             <a:endParaRPr lang="en-US"/>
           </a:p>
@@ -2385,7 +2404,7 @@
           <a:p>
             <a:fld id="{66188E82-78A8-432F-A905-64D37DCF7108}" type="datetime1">
               <a:rPr lang="en-US" smtClean="0"/>
-              <a:t>10/31/2023</a:t>
+              <a:t>11/2/23</a:t>
             </a:fld>
             <a:endParaRPr lang="en-US"/>
           </a:p>
@@ -2800,7 +2819,7 @@
           <a:p>
             <a:fld id="{4F6C27C5-5812-4AB4-AA99-BFA1A6532403}" type="datetime1">
               <a:rPr lang="en-US" smtClean="0"/>
-              <a:t>10/31/2023</a:t>
+              <a:t>11/2/23</a:t>
             </a:fld>
             <a:endParaRPr lang="en-US"/>
           </a:p>
@@ -2944,7 +2963,7 @@
           <a:p>
             <a:fld id="{01E17CC1-43C0-45B8-AB30-B4F1979189AC}" type="datetime1">
               <a:rPr lang="en-US" smtClean="0"/>
-              <a:t>10/31/2023</a:t>
+              <a:t>11/2/23</a:t>
             </a:fld>
             <a:endParaRPr lang="en-US"/>
           </a:p>
@@ -3060,7 +3079,7 @@
           <a:p>
             <a:fld id="{86720E5C-818F-46A2-A674-ACF0EF433E2C}" type="datetime1">
               <a:rPr lang="en-US" smtClean="0"/>
-              <a:t>10/31/2023</a:t>
+              <a:t>11/2/23</a:t>
             </a:fld>
             <a:endParaRPr lang="en-US"/>
           </a:p>
@@ -3374,7 +3393,7 @@
           <a:p>
             <a:fld id="{3BF26B5B-FDE8-4DDB-82A7-BEF41002D93B}" type="datetime1">
               <a:rPr lang="en-US" smtClean="0"/>
-              <a:t>10/31/2023</a:t>
+              <a:t>11/2/23</a:t>
             </a:fld>
             <a:endParaRPr lang="en-US"/>
           </a:p>
@@ -3665,7 +3684,7 @@
           <a:p>
             <a:fld id="{5CC07EE6-18E8-48EE-9715-5838292A3776}" type="datetime1">
               <a:rPr lang="en-US" smtClean="0"/>
-              <a:t>10/31/2023</a:t>
+              <a:t>11/2/23</a:t>
             </a:fld>
             <a:endParaRPr lang="en-US"/>
           </a:p>
@@ -3909,7 +3928,7 @@
           <a:p>
             <a:fld id="{9025BCED-13F6-41CB-8B3C-875C16F6C384}" type="datetime1">
               <a:rPr lang="en-US" smtClean="0"/>
-              <a:t>10/31/2023</a:t>
+              <a:t>11/2/23</a:t>
             </a:fld>
             <a:endParaRPr lang="en-US"/>
           </a:p>
@@ -5751,7 +5770,7 @@
                 <a:ea typeface="+mn-ea"/>
                 <a:cs typeface="+mn-cs"/>
               </a:rPr>
-              <a:t>IETF Network Slice Service (NS1) consist of four Connectivity constructs with 4 different SLAs Blue, Red and Green </a:t>
+              <a:t>IETF Network Slice Service (NS1) consist of four Connectivity constructs with 4 different SLAs Blue, Orange, Red and Green </a:t>
             </a:r>
           </a:p>
         </p:txBody>
@@ -7898,7 +7917,7 @@
         <p:spPr>
           <a:xfrm>
             <a:off x="6224332" y="1731767"/>
-            <a:ext cx="5229214" cy="4488772"/>
+            <a:ext cx="5653036" cy="4488772"/>
           </a:xfrm>
           <a:prstGeom prst="rect">
             <a:avLst/>
@@ -8177,7 +8196,24 @@
                 <a:ea typeface="黑体" panose="02010609060101010101" pitchFamily="49" charset="-122"/>
                 <a:cs typeface="+mn-cs"/>
               </a:rPr>
-              <a:t>Multiple connection matrices</a:t>
+              <a:t>Multiple </a:t>
+            </a:r>
+            <a:r>
+              <a:rPr kumimoji="0" lang="en-US" altLang="zh-CN" sz="1700" b="0" i="0" u="none" kern="1200" cap="none" spc="0" normalizeH="0" baseline="0" noProof="0" dirty="0">
+                <a:ln>
+                  <a:noFill/>
+                </a:ln>
+                <a:solidFill>
+                  <a:prstClr val="black"/>
+                </a:solidFill>
+                <a:effectLst/>
+                <a:uLnTx/>
+                <a:uFillTx/>
+                <a:latin typeface="Calibri" panose="020F0502020204030204"/>
+                <a:ea typeface="黑体" panose="02010609060101010101" pitchFamily="49" charset="-122"/>
+                <a:cs typeface="+mn-cs"/>
+              </a:rPr>
+              <a:t>connectivity constructs</a:t>
             </a:r>
           </a:p>
           <a:p>
@@ -8978,7 +9014,7 @@
               <a:defRPr/>
             </a:pPr>
             <a:r>
-              <a:rPr kumimoji="0" lang="en-US" sz="1400" b="0" i="0" u="none" strike="noStrike" kern="1200" cap="none" spc="0" normalizeH="0" baseline="0" noProof="0" dirty="0" err="1">
+              <a:rPr kumimoji="0" lang="en-US" sz="1400" b="0" i="0" u="none" strike="noStrike" kern="1200" cap="none" spc="0" normalizeH="0" baseline="0" noProof="0" dirty="0">
                 <a:ln>
                   <a:noFill/>
                 </a:ln>
@@ -8992,10 +9028,10 @@
                 <a:ea typeface="+mn-ea"/>
                 <a:cs typeface="+mn-cs"/>
               </a:rPr>
-              <a:t>connectivity</a:t>
-            </a:r>
-            <a:r>
-              <a:rPr kumimoji="0" lang="en-US" sz="1400" b="0" i="0" u="none" strike="noStrike" kern="0" cap="none" spc="0" normalizeH="0" baseline="0" noProof="0" dirty="0" err="1">
+              <a:t>Connectivity-</a:t>
+            </a:r>
+            <a:r>
+              <a:rPr kumimoji="0" lang="en-US" sz="1400" b="0" i="0" u="none" strike="noStrike" kern="0" cap="none" spc="0" normalizeH="0" baseline="0" noProof="0" dirty="0">
                 <a:ln>
                   <a:noFill/>
                 </a:ln>
@@ -15060,4 +15096,10 @@
     <ds:schemaRef ds:uri="http://schemas.microsoft.com/internal/obd"/>
   </ds:schemaRefs>
 </ds:datastoreItem>
+</file>
+
+<file path=docMetadata/LabelInfo.xml><?xml version="1.0" encoding="utf-8"?>
+<clbl:labelList xmlns:clbl="http://schemas.microsoft.com/office/2020/mipLabelMetadata">
+  <clbl:label id="{5d471751-9675-428d-917b-70f44f9630b0}" enabled="0" method="" siteId="{5d471751-9675-428d-917b-70f44f9630b0}" removed="1"/>
+</clbl:labelList>
 </file>
--- a/meeting-materials/draft-liu-teas-transport-network-slice-yang-07-ietf-118.pptx
+++ b/meeting-materials/draft-liu-teas-transport-network-slice-yang-07-ietf-118.pptx
@@ -5098,7 +5098,7 @@
             <a:pPr lvl="1"/>
             <a:r>
               <a:rPr lang="en-US" dirty="0"/>
-              <a:t>WG decided to re-define new concept for network slices, rather than reusing the terms defined in ACTN VN</a:t>
+              <a:t>WG decided to define new concept for network slices similar to the terms defined in ACTN VN</a:t>
             </a:r>
           </a:p>
           <a:p>
@@ -5440,7 +5440,7 @@
                   <a:srgbClr val="0070C0"/>
                 </a:solidFill>
               </a:rPr>
-              <a:t>It’s not mandatory but a customized topology may be built using e.g. a SAP topology exposed by the provider (RFC9408)</a:t>
+              <a:t>It’s not mandatory but a customized topology may be built using e.g. offline negotiation or online with a SAP topology exposed by the provider (RFC9408)</a:t>
             </a:r>
           </a:p>
           <a:p>
@@ -5484,7 +5484,7 @@
                   <a:srgbClr val="0070C0"/>
                 </a:solidFill>
               </a:rPr>
-              <a:t>Transit node (P-node) – translated to resource sharing constraints</a:t>
+              <a:t>Transit node (P-node) – a virtual node that can be translated to resource sharing constraints</a:t>
             </a:r>
           </a:p>
           <a:p>
@@ -5686,12 +5686,14 @@
         </p:nvSpPr>
         <p:spPr/>
         <p:txBody>
-          <a:bodyPr/>
+          <a:bodyPr>
+            <a:normAutofit/>
+          </a:bodyPr>
           <a:lstStyle/>
           <a:p>
             <a:r>
               <a:rPr lang="en-US" dirty="0"/>
-              <a:t>IETF Network Slice Connectivity Constructs</a:t>
+              <a:t>RFCXXXX Network Slice Connectivity Constructs</a:t>
             </a:r>
           </a:p>
         </p:txBody>
@@ -10836,7 +10838,7 @@
                   <a:schemeClr val="tx1"/>
                 </a:solidFill>
               </a:rPr>
-              <a:t>DU</a:t>
+              <a:t>A</a:t>
             </a:r>
           </a:p>
         </p:txBody>
@@ -10892,7 +10894,7 @@
                   <a:schemeClr val="tx1"/>
                 </a:solidFill>
               </a:rPr>
-              <a:t>CU</a:t>
+              <a:t>C</a:t>
             </a:r>
           </a:p>
         </p:txBody>
@@ -10948,7 +10950,7 @@
                   <a:schemeClr val="tx1"/>
                 </a:solidFill>
               </a:rPr>
-              <a:t>UPF</a:t>
+              <a:t>D</a:t>
             </a:r>
           </a:p>
         </p:txBody>
@@ -11208,7 +11210,7 @@
                   <a:schemeClr val="tx1"/>
                 </a:solidFill>
               </a:rPr>
-              <a:t>DU</a:t>
+              <a:t>B</a:t>
             </a:r>
           </a:p>
         </p:txBody>
@@ -14772,7 +14774,11 @@
 
 <file path=customXml/item1.xml><?xml version="1.0" encoding="utf-8"?>
 <?mso-contentType ?>
-<SharedContentType xmlns="Microsoft.SharePoint.Taxonomy.ContentTypeSync" SourceId="34c87397-5fc1-491e-85e7-d6110dbe9cbd" ContentTypeId="0x0101" PreviousValue="false"/>
+<FormTemplates xmlns="http://schemas.microsoft.com/sharepoint/v3/contenttype/forms">
+  <Display>DocumentLibraryForm</Display>
+  <Edit>DocumentLibraryForm</Edit>
+  <New>DocumentLibraryForm</New>
+</FormTemplates>
 </file>
 
 <file path=customXml/item2.xml><?xml version="1.0" encoding="utf-8"?>
@@ -14782,22 +14788,10 @@
 
 <file path=customXml/item3.xml><?xml version="1.0" encoding="utf-8"?>
 <?mso-contentType ?>
-<FormTemplates xmlns="http://schemas.microsoft.com/sharepoint/v3/contenttype/forms">
-  <Display>DocumentLibraryForm</Display>
-  <Edit>DocumentLibraryForm</Edit>
-  <New>DocumentLibraryForm</New>
-</FormTemplates>
+<SharedContentType xmlns="Microsoft.SharePoint.Taxonomy.ContentTypeSync" SourceId="34c87397-5fc1-491e-85e7-d6110dbe9cbd" ContentTypeId="0x0101" PreviousValue="false"/>
 </file>
 
 <file path=customXml/item4.xml><?xml version="1.0" encoding="utf-8"?>
-<p:properties xmlns:p="http://schemas.microsoft.com/office/2006/metadata/properties" xmlns:xsi="http://www.w3.org/2001/XMLSchema-instance" xmlns:pc="http://schemas.microsoft.com/office/infopath/2007/PartnerControls">
-  <documentManagement>
-    <HideFromDelve xmlns="71c5aaf6-e6ce-465b-b873-5148d2a4c105">false</HideFromDelve>
-  </documentManagement>
-</p:properties>
-</file>
-
-<file path=customXml/item5.xml><?xml version="1.0" encoding="utf-8"?>
 <ct:contentTypeSchema xmlns:ct="http://schemas.microsoft.com/office/2006/metadata/contentType" xmlns:ma="http://schemas.microsoft.com/office/2006/metadata/properties/metaAttributes" ct:_="" ma:_="" ma:contentTypeName="Document" ma:contentTypeID="0x01010083185B6FD968AC4F8244C98DADFCDDF2" ma:contentTypeVersion="10" ma:contentTypeDescription="Create a new document." ma:contentTypeScope="" ma:versionID="a0a5748a9dac91f93248b2b077c41dd7">
   <xsd:schema xmlns:xsd="http://www.w3.org/2001/XMLSchema" xmlns:xs="http://www.w3.org/2001/XMLSchema" xmlns:p="http://schemas.microsoft.com/office/2006/metadata/properties" xmlns:ns3="71c5aaf6-e6ce-465b-b873-5148d2a4c105" xmlns:ns4="687e87d0-d0a8-4c48-8f94-14f0c67212c5" xmlns:ns5="b4d06219-a142-4c5f-be55-53f74cb980c7" targetNamespace="http://schemas.microsoft.com/office/2006/metadata/properties" ma:root="true" ma:fieldsID="b06f86fc5fa60c034a6b2d88bb81de5b" ns3:_="" ns4:_="" ns5:_="">
     <xsd:import namespace="71c5aaf6-e6ce-465b-b873-5148d2a4c105"/>
@@ -15036,10 +15030,18 @@
 </ct:contentTypeSchema>
 </file>
 
+<file path=customXml/item5.xml><?xml version="1.0" encoding="utf-8"?>
+<p:properties xmlns:p="http://schemas.microsoft.com/office/2006/metadata/properties" xmlns:xsi="http://www.w3.org/2001/XMLSchema-instance" xmlns:pc="http://schemas.microsoft.com/office/infopath/2007/PartnerControls">
+  <documentManagement>
+    <HideFromDelve xmlns="71c5aaf6-e6ce-465b-b873-5148d2a4c105">false</HideFromDelve>
+  </documentManagement>
+</p:properties>
+</file>
+
 <file path=customXml/itemProps1.xml><?xml version="1.0" encoding="utf-8"?>
-<ds:datastoreItem xmlns:ds="http://schemas.openxmlformats.org/officeDocument/2006/customXml" ds:itemID="{68412ECC-D61E-4B23-B7FF-722505864B65}">
+<ds:datastoreItem xmlns:ds="http://schemas.openxmlformats.org/officeDocument/2006/customXml" ds:itemID="{FFF5BEF5-BF1F-44F4-AFBC-1295B944FD55}">
   <ds:schemaRefs>
-    <ds:schemaRef ds:uri="Microsoft.SharePoint.Taxonomy.ContentTypeSync"/>
+    <ds:schemaRef ds:uri="http://schemas.microsoft.com/sharepoint/v3/contenttype/forms"/>
   </ds:schemaRefs>
 </ds:datastoreItem>
 </file>
@@ -15053,32 +15055,14 @@
 </file>
 
 <file path=customXml/itemProps3.xml><?xml version="1.0" encoding="utf-8"?>
-<ds:datastoreItem xmlns:ds="http://schemas.openxmlformats.org/officeDocument/2006/customXml" ds:itemID="{FFF5BEF5-BF1F-44F4-AFBC-1295B944FD55}">
+<ds:datastoreItem xmlns:ds="http://schemas.openxmlformats.org/officeDocument/2006/customXml" ds:itemID="{68412ECC-D61E-4B23-B7FF-722505864B65}">
   <ds:schemaRefs>
-    <ds:schemaRef ds:uri="http://schemas.microsoft.com/sharepoint/v3/contenttype/forms"/>
+    <ds:schemaRef ds:uri="Microsoft.SharePoint.Taxonomy.ContentTypeSync"/>
   </ds:schemaRefs>
 </ds:datastoreItem>
 </file>
 
 <file path=customXml/itemProps4.xml><?xml version="1.0" encoding="utf-8"?>
-<ds:datastoreItem xmlns:ds="http://schemas.openxmlformats.org/officeDocument/2006/customXml" ds:itemID="{D1402BC5-1A46-47E2-B58E-ED5697CD9276}">
-  <ds:schemaRefs>
-    <ds:schemaRef ds:uri="71c5aaf6-e6ce-465b-b873-5148d2a4c105"/>
-    <ds:schemaRef ds:uri="http://purl.org/dc/elements/1.1/"/>
-    <ds:schemaRef ds:uri="http://schemas.openxmlformats.org/package/2006/metadata/core-properties"/>
-    <ds:schemaRef ds:uri="687e87d0-d0a8-4c48-8f94-14f0c67212c5"/>
-    <ds:schemaRef ds:uri="http://schemas.microsoft.com/office/2006/documentManagement/types"/>
-    <ds:schemaRef ds:uri="http://purl.org/dc/terms/"/>
-    <ds:schemaRef ds:uri="http://purl.org/dc/dcmitype/"/>
-    <ds:schemaRef ds:uri="http://schemas.microsoft.com/office/infopath/2007/PartnerControls"/>
-    <ds:schemaRef ds:uri="b4d06219-a142-4c5f-be55-53f74cb980c7"/>
-    <ds:schemaRef ds:uri="http://schemas.microsoft.com/office/2006/metadata/properties"/>
-    <ds:schemaRef ds:uri="http://www.w3.org/XML/1998/namespace"/>
-  </ds:schemaRefs>
-</ds:datastoreItem>
-</file>
-
-<file path=customXml/itemProps5.xml><?xml version="1.0" encoding="utf-8"?>
 <ds:datastoreItem xmlns:ds="http://schemas.openxmlformats.org/officeDocument/2006/customXml" ds:itemID="{334975F1-7A16-4F7E-84AE-F419563FD202}">
   <ds:schemaRefs>
     <ds:schemaRef ds:uri="http://schemas.microsoft.com/office/2006/metadata/contentType"/>
@@ -15098,6 +15082,24 @@
 </ds:datastoreItem>
 </file>
 
+<file path=customXml/itemProps5.xml><?xml version="1.0" encoding="utf-8"?>
+<ds:datastoreItem xmlns:ds="http://schemas.openxmlformats.org/officeDocument/2006/customXml" ds:itemID="{D1402BC5-1A46-47E2-B58E-ED5697CD9276}">
+  <ds:schemaRefs>
+    <ds:schemaRef ds:uri="71c5aaf6-e6ce-465b-b873-5148d2a4c105"/>
+    <ds:schemaRef ds:uri="http://purl.org/dc/elements/1.1/"/>
+    <ds:schemaRef ds:uri="http://schemas.openxmlformats.org/package/2006/metadata/core-properties"/>
+    <ds:schemaRef ds:uri="687e87d0-d0a8-4c48-8f94-14f0c67212c5"/>
+    <ds:schemaRef ds:uri="http://schemas.microsoft.com/office/2006/documentManagement/types"/>
+    <ds:schemaRef ds:uri="http://purl.org/dc/terms/"/>
+    <ds:schemaRef ds:uri="http://purl.org/dc/dcmitype/"/>
+    <ds:schemaRef ds:uri="http://schemas.microsoft.com/office/infopath/2007/PartnerControls"/>
+    <ds:schemaRef ds:uri="b4d06219-a142-4c5f-be55-53f74cb980c7"/>
+    <ds:schemaRef ds:uri="http://schemas.microsoft.com/office/2006/metadata/properties"/>
+    <ds:schemaRef ds:uri="http://www.w3.org/XML/1998/namespace"/>
+  </ds:schemaRefs>
+</ds:datastoreItem>
+</file>
+
 <file path=docMetadata/LabelInfo.xml><?xml version="1.0" encoding="utf-8"?>
 <clbl:labelList xmlns:clbl="http://schemas.microsoft.com/office/2020/mipLabelMetadata">
   <clbl:label id="{5d471751-9675-428d-917b-70f44f9630b0}" enabled="0" method="" siteId="{5d471751-9675-428d-917b-70f44f9630b0}" removed="1"/>
